--- a/발표/1조 마지막발표.pptx
+++ b/발표/1조 마지막발표.pptx
@@ -125,7 +125,7 @@
   </p:defaultTextStyle>
   <p:extLst>
     <p:ext uri="{EFAFB233-063F-42B5-8137-9DF3F51BA10A}">
-      <p15:sldGuideLst xmlns:p15="http://schemas.microsoft.com/office/powerpoint/2012/main" xmlns="">
+      <p15:sldGuideLst xmlns:p15="http://schemas.microsoft.com/office/powerpoint/2012/main">
         <p15:guide id="2" pos="2880" userDrawn="1">
           <p15:clr>
             <a:srgbClr val="A4A3A4"/>
@@ -1913,7 +1913,7 @@
           <a:p>
             <a:pPr algn="ctr"/>
             <a:r>
-              <a:rPr lang="ko-KR" altLang="en-US" sz="5000" b="1" dirty="0" smtClean="0">
+              <a:rPr lang="ko-KR" altLang="en-US" sz="5000" b="1" dirty="0">
                 <a:solidFill>
                   <a:srgbClr val="F86B74"/>
                 </a:solidFill>
@@ -1921,7 +1921,7 @@
               </a:rPr>
               <a:t>서울시 </a:t>
             </a:r>
-            <a:endParaRPr lang="en-US" altLang="ko-KR" sz="5000" b="1" dirty="0" smtClean="0">
+            <a:endParaRPr lang="en-US" altLang="ko-KR" sz="5000" b="1" dirty="0">
               <a:solidFill>
                 <a:srgbClr val="F86B74"/>
               </a:solidFill>
@@ -1931,7 +1931,7 @@
           <a:p>
             <a:pPr algn="ctr"/>
             <a:r>
-              <a:rPr lang="ko-KR" altLang="en-US" sz="5000" b="1" dirty="0" smtClean="0">
+              <a:rPr lang="ko-KR" altLang="en-US" sz="5000" b="1" dirty="0">
                 <a:solidFill>
                   <a:srgbClr val="F86B74"/>
                 </a:solidFill>
@@ -1939,7 +1939,7 @@
               </a:rPr>
               <a:t>안심스카우트</a:t>
             </a:r>
-            <a:endParaRPr lang="en-US" altLang="ko-KR" sz="5000" b="1" dirty="0" smtClean="0">
+            <a:endParaRPr lang="en-US" altLang="ko-KR" sz="5000" b="1" dirty="0">
               <a:solidFill>
                 <a:srgbClr val="F86B74"/>
               </a:solidFill>
@@ -1949,7 +1949,7 @@
           <a:p>
             <a:pPr algn="ctr"/>
             <a:r>
-              <a:rPr lang="ko-KR" altLang="en-US" sz="3600" b="1" dirty="0" smtClean="0">
+              <a:rPr lang="ko-KR" altLang="en-US" sz="3600" b="1" dirty="0">
                 <a:solidFill>
                   <a:schemeClr val="bg1"/>
                 </a:solidFill>
@@ -1997,7 +1997,7 @@
           <a:p>
             <a:pPr algn="ctr"/>
             <a:r>
-              <a:rPr lang="en-US" altLang="ko-KR" sz="1400" dirty="0" smtClean="0">
+              <a:rPr lang="en-US" altLang="ko-KR" sz="1400" dirty="0">
                 <a:solidFill>
                   <a:schemeClr val="bg1">
                     <a:lumMod val="75000"/>
@@ -2005,9 +2005,9 @@
                 </a:solidFill>
                 <a:latin typeface="+mn-ea"/>
               </a:rPr>
-              <a:t>2018.02.13</a:t>
-            </a:r>
-            <a:endParaRPr lang="ko-KR" altLang="en-US" sz="1400" dirty="0" smtClean="0">
+              <a:t>2018.2.13</a:t>
+            </a:r>
+            <a:endParaRPr lang="ko-KR" altLang="en-US" sz="1400" dirty="0">
               <a:solidFill>
                 <a:schemeClr val="bg1">
                   <a:lumMod val="75000"/>
@@ -2041,7 +2041,7 @@
           <a:lstStyle/>
           <a:p>
             <a:r>
-              <a:rPr lang="en-US" altLang="ko-KR" sz="2500" b="1" spc="-50" dirty="0" smtClean="0">
+              <a:rPr lang="en-US" altLang="ko-KR" sz="2500" b="1" spc="-50" dirty="0">
                 <a:solidFill>
                   <a:srgbClr val="43435B"/>
                 </a:solidFill>
@@ -2050,7 +2050,7 @@
               <a:t>1</a:t>
             </a:r>
             <a:r>
-              <a:rPr lang="ko-KR" altLang="en-US" sz="2500" b="1" spc="-50" dirty="0" smtClean="0">
+              <a:rPr lang="ko-KR" altLang="en-US" sz="2500" b="1" spc="-50" dirty="0">
                 <a:solidFill>
                   <a:srgbClr val="43435B"/>
                 </a:solidFill>
@@ -2059,7 +2059,7 @@
               <a:t>조 문광현</a:t>
             </a:r>
             <a:r>
-              <a:rPr lang="en-US" altLang="ko-KR" sz="2500" b="1" spc="-50" dirty="0" smtClean="0">
+              <a:rPr lang="en-US" altLang="ko-KR" sz="2500" b="1" spc="-50" dirty="0">
                 <a:solidFill>
                   <a:srgbClr val="43435B"/>
                 </a:solidFill>
@@ -2068,7 +2068,7 @@
               <a:t>, </a:t>
             </a:r>
             <a:r>
-              <a:rPr lang="ko-KR" altLang="en-US" sz="2500" b="1" spc="-50" dirty="0" smtClean="0">
+              <a:rPr lang="ko-KR" altLang="en-US" sz="2500" b="1" spc="-50" dirty="0">
                 <a:solidFill>
                   <a:srgbClr val="43435B"/>
                 </a:solidFill>
@@ -2077,7 +2077,7 @@
               <a:t>박효선</a:t>
             </a:r>
             <a:r>
-              <a:rPr lang="en-US" altLang="ko-KR" sz="2500" b="1" spc="-50" dirty="0" smtClean="0">
+              <a:rPr lang="en-US" altLang="ko-KR" sz="2500" b="1" spc="-50" dirty="0">
                 <a:solidFill>
                   <a:srgbClr val="43435B"/>
                 </a:solidFill>
@@ -2086,7 +2086,7 @@
               <a:t>, </a:t>
             </a:r>
             <a:r>
-              <a:rPr lang="ko-KR" altLang="en-US" sz="2500" b="1" spc="-50" dirty="0" smtClean="0">
+              <a:rPr lang="ko-KR" altLang="en-US" sz="2500" b="1" spc="-50" dirty="0">
                 <a:solidFill>
                   <a:srgbClr val="43435B"/>
                 </a:solidFill>
@@ -2095,7 +2095,7 @@
               <a:t>고정원</a:t>
             </a:r>
             <a:r>
-              <a:rPr lang="en-US" altLang="ko-KR" sz="2500" b="1" spc="-50" dirty="0" smtClean="0">
+              <a:rPr lang="en-US" altLang="ko-KR" sz="2500" b="1" spc="-50" dirty="0">
                 <a:solidFill>
                   <a:srgbClr val="43435B"/>
                 </a:solidFill>
@@ -2104,7 +2104,7 @@
               <a:t>, </a:t>
             </a:r>
             <a:r>
-              <a:rPr lang="ko-KR" altLang="en-US" sz="2500" b="1" spc="-50" dirty="0" smtClean="0">
+              <a:rPr lang="ko-KR" altLang="en-US" sz="2500" b="1" spc="-50" dirty="0">
                 <a:solidFill>
                   <a:srgbClr val="43435B"/>
                 </a:solidFill>
@@ -2143,13 +2143,6 @@
       </p:transition>
     </mc:Fallback>
   </mc:AlternateContent>
-  <p:timing>
-    <p:tnLst>
-      <p:par>
-        <p:cTn id="1" dur="indefinite" restart="never" nodeType="tmRoot"/>
-      </p:par>
-    </p:tnLst>
-  </p:timing>
 </p:sld>
 </file>
 
@@ -2245,23 +2238,8 @@
                 </a:solidFill>
                 <a:latin typeface="+mn-ea"/>
               </a:rPr>
-              <a:t>1. DATA </a:t>
-            </a:r>
-            <a:r>
-              <a:rPr lang="en-US" altLang="ko-KR" sz="3200" b="1" spc="-50" dirty="0" smtClean="0">
-                <a:solidFill>
-                  <a:srgbClr val="43435B"/>
-                </a:solidFill>
-                <a:latin typeface="+mn-ea"/>
-              </a:rPr>
-              <a:t>PREPERATION</a:t>
-            </a:r>
-            <a:endParaRPr lang="en-US" altLang="ko-KR" sz="3200" b="1" spc="-50" dirty="0">
-              <a:solidFill>
-                <a:srgbClr val="43435B"/>
-              </a:solidFill>
-              <a:latin typeface="+mn-ea"/>
-            </a:endParaRPr>
+              <a:t>1. DATA PREPERATION</a:t>
+            </a:r>
           </a:p>
         </p:txBody>
       </p:sp>
@@ -2334,7 +2312,7 @@
               <a:buChar char="u"/>
             </a:pPr>
             <a:r>
-              <a:rPr lang="ko-KR" altLang="en-US" b="1" spc="-50" dirty="0" smtClean="0">
+              <a:rPr lang="ko-KR" altLang="en-US" b="1" spc="-50" dirty="0">
                 <a:solidFill>
                   <a:srgbClr val="43435B"/>
                 </a:solidFill>
@@ -2343,7 +2321,7 @@
               <a:t> 서로 다른 형식의 </a:t>
             </a:r>
             <a:r>
-              <a:rPr lang="en-US" altLang="ko-KR" b="1" spc="-50" dirty="0" smtClean="0">
+              <a:rPr lang="en-US" altLang="ko-KR" b="1" spc="-50" dirty="0">
                 <a:solidFill>
                   <a:srgbClr val="43435B"/>
                 </a:solidFill>
@@ -2352,7 +2330,7 @@
               <a:t>DATASET   -&gt; </a:t>
             </a:r>
             <a:r>
-              <a:rPr lang="ko-KR" altLang="en-US" b="1" spc="-50" dirty="0" smtClean="0">
+              <a:rPr lang="ko-KR" altLang="en-US" b="1" spc="-50" dirty="0">
                 <a:solidFill>
                   <a:srgbClr val="43435B"/>
                 </a:solidFill>
@@ -2360,7 +2338,7 @@
               </a:rPr>
               <a:t>같은 형식으로 통합</a:t>
             </a:r>
-            <a:endParaRPr lang="en-US" altLang="ko-KR" b="1" spc="-50" dirty="0" smtClean="0">
+            <a:endParaRPr lang="en-US" altLang="ko-KR" b="1" spc="-50" dirty="0">
               <a:solidFill>
                 <a:srgbClr val="43435B"/>
               </a:solidFill>
@@ -2503,13 +2481,6 @@
       </p:transition>
     </mc:Fallback>
   </mc:AlternateContent>
-  <p:timing>
-    <p:tnLst>
-      <p:par>
-        <p:cTn id="1" dur="indefinite" restart="never" nodeType="tmRoot"/>
-      </p:par>
-    </p:tnLst>
-  </p:timing>
 </p:sld>
 </file>
 
@@ -2605,23 +2576,8 @@
                 </a:solidFill>
                 <a:latin typeface="+mn-ea"/>
               </a:rPr>
-              <a:t>1. DATA </a:t>
-            </a:r>
-            <a:r>
-              <a:rPr lang="en-US" altLang="ko-KR" sz="3200" b="1" spc="-50" dirty="0" smtClean="0">
-                <a:solidFill>
-                  <a:srgbClr val="43435B"/>
-                </a:solidFill>
-                <a:latin typeface="+mn-ea"/>
-              </a:rPr>
-              <a:t>PREPERATION</a:t>
-            </a:r>
-            <a:endParaRPr lang="en-US" altLang="ko-KR" sz="3200" b="1" spc="-50" dirty="0">
-              <a:solidFill>
-                <a:srgbClr val="43435B"/>
-              </a:solidFill>
-              <a:latin typeface="+mn-ea"/>
-            </a:endParaRPr>
+              <a:t>1. DATA PREPERATION</a:t>
+            </a:r>
           </a:p>
         </p:txBody>
       </p:sp>
@@ -2694,7 +2650,7 @@
               <a:buChar char="u"/>
             </a:pPr>
             <a:r>
-              <a:rPr lang="ko-KR" altLang="en-US" b="1" spc="-50" dirty="0" smtClean="0">
+              <a:rPr lang="ko-KR" altLang="en-US" b="1" spc="-50" dirty="0">
                 <a:solidFill>
                   <a:srgbClr val="43435B"/>
                 </a:solidFill>
@@ -2703,22 +2659,13 @@
               <a:t> 서로 다른 형식의 </a:t>
             </a:r>
             <a:r>
-              <a:rPr lang="en-US" altLang="ko-KR" b="1" spc="-50" dirty="0" smtClean="0">
-                <a:solidFill>
-                  <a:srgbClr val="43435B"/>
-                </a:solidFill>
-                <a:latin typeface="+mn-ea"/>
-              </a:rPr>
-              <a:t>DATASET </a:t>
-            </a:r>
-            <a:r>
               <a:rPr lang="en-US" altLang="ko-KR" b="1" spc="-50" dirty="0">
                 <a:solidFill>
                   <a:srgbClr val="43435B"/>
                 </a:solidFill>
                 <a:latin typeface="+mn-ea"/>
               </a:rPr>
-              <a:t>-&gt; </a:t>
+              <a:t>DATASET -&gt; </a:t>
             </a:r>
             <a:r>
               <a:rPr lang="ko-KR" altLang="en-US" b="1" spc="-50" dirty="0">
@@ -2727,16 +2674,7 @@
                 </a:solidFill>
                 <a:latin typeface="+mn-ea"/>
               </a:rPr>
-              <a:t>같은 형식으로 </a:t>
-            </a:r>
-            <a:r>
-              <a:rPr lang="ko-KR" altLang="en-US" b="1" spc="-50" dirty="0" smtClean="0">
-                <a:solidFill>
-                  <a:srgbClr val="43435B"/>
-                </a:solidFill>
-                <a:latin typeface="+mn-ea"/>
-              </a:rPr>
-              <a:t>통합</a:t>
+              <a:t>같은 형식으로 통합</a:t>
             </a:r>
             <a:endParaRPr lang="en-US" altLang="ko-KR" b="1" spc="-50" dirty="0">
               <a:solidFill>
@@ -2833,13 +2771,6 @@
       </p:transition>
     </mc:Fallback>
   </mc:AlternateContent>
-  <p:timing>
-    <p:tnLst>
-      <p:par>
-        <p:cTn id="1" dur="indefinite" restart="never" nodeType="tmRoot"/>
-      </p:par>
-    </p:tnLst>
-  </p:timing>
 </p:sld>
 </file>
 
@@ -2929,7 +2860,7 @@
           <a:lstStyle/>
           <a:p>
             <a:r>
-              <a:rPr lang="en-US" altLang="ko-KR" sz="3200" b="1" spc="-50" dirty="0" smtClean="0">
+              <a:rPr lang="en-US" altLang="ko-KR" sz="3200" b="1" spc="-50" dirty="0">
                 <a:solidFill>
                   <a:srgbClr val="43435B"/>
                 </a:solidFill>
@@ -2937,12 +2868,6 @@
               </a:rPr>
               <a:t>2. MODEL PLANNIG</a:t>
             </a:r>
-            <a:endParaRPr lang="en-US" altLang="ko-KR" sz="3200" b="1" spc="-50" dirty="0">
-              <a:solidFill>
-                <a:srgbClr val="43435B"/>
-              </a:solidFill>
-              <a:latin typeface="+mn-ea"/>
-            </a:endParaRPr>
           </a:p>
         </p:txBody>
       </p:sp>
@@ -3015,7 +2940,7 @@
               <a:buChar char="u"/>
             </a:pPr>
             <a:r>
-              <a:rPr lang="ko-KR" altLang="en-US" b="1" spc="-50" dirty="0" smtClean="0">
+              <a:rPr lang="ko-KR" altLang="en-US" b="1" spc="-50" dirty="0">
                 <a:solidFill>
                   <a:srgbClr val="43435B"/>
                 </a:solidFill>
@@ -3024,7 +2949,7 @@
               <a:t> </a:t>
             </a:r>
             <a:r>
-              <a:rPr lang="en-US" altLang="ko-KR" b="1" spc="-50" dirty="0" smtClean="0">
+              <a:rPr lang="en-US" altLang="ko-KR" b="1" spc="-50" dirty="0">
                 <a:solidFill>
                   <a:srgbClr val="43435B"/>
                 </a:solidFill>
@@ -3088,7 +3013,7 @@
           </a:p>
           <a:p>
             <a:r>
-              <a:rPr lang="en-US" altLang="ko-KR" b="1" spc="-50" dirty="0" smtClean="0">
+              <a:rPr lang="en-US" altLang="ko-KR" b="1" spc="-50" dirty="0">
                 <a:solidFill>
                   <a:srgbClr val="43435B"/>
                 </a:solidFill>
@@ -3097,7 +3022,7 @@
               <a:t>-&gt; </a:t>
             </a:r>
             <a:r>
-              <a:rPr lang="ko-KR" altLang="en-US" b="1" spc="-50" dirty="0" smtClean="0">
+              <a:rPr lang="ko-KR" altLang="en-US" b="1" spc="-50" dirty="0">
                 <a:solidFill>
                   <a:srgbClr val="FF0000"/>
                 </a:solidFill>
@@ -3106,7 +3031,7 @@
               <a:t>날씨</a:t>
             </a:r>
             <a:r>
-              <a:rPr lang="ko-KR" altLang="en-US" b="1" spc="-50" dirty="0" smtClean="0">
+              <a:rPr lang="ko-KR" altLang="en-US" b="1" spc="-50" dirty="0">
                 <a:solidFill>
                   <a:srgbClr val="43435B"/>
                 </a:solidFill>
@@ -3115,7 +3040,7 @@
               <a:t>와 </a:t>
             </a:r>
             <a:r>
-              <a:rPr lang="ko-KR" altLang="en-US" b="1" spc="-50" dirty="0" smtClean="0">
+              <a:rPr lang="ko-KR" altLang="en-US" b="1" spc="-50" dirty="0">
                 <a:solidFill>
                   <a:srgbClr val="FF0000"/>
                 </a:solidFill>
@@ -3124,7 +3049,7 @@
               <a:t>이용건수</a:t>
             </a:r>
             <a:r>
-              <a:rPr lang="ko-KR" altLang="en-US" b="1" spc="-50" dirty="0" smtClean="0">
+              <a:rPr lang="ko-KR" altLang="en-US" b="1" spc="-50" dirty="0">
                 <a:solidFill>
                   <a:srgbClr val="43435B"/>
                 </a:solidFill>
@@ -3132,7 +3057,7 @@
               </a:rPr>
               <a:t>의 상관관계 분석</a:t>
             </a:r>
-            <a:endParaRPr lang="en-US" altLang="ko-KR" b="1" spc="-50" dirty="0" smtClean="0">
+            <a:endParaRPr lang="en-US" altLang="ko-KR" b="1" spc="-50" dirty="0">
               <a:solidFill>
                 <a:srgbClr val="43435B"/>
               </a:solidFill>
@@ -3141,7 +3066,7 @@
           </a:p>
           <a:p>
             <a:r>
-              <a:rPr lang="en-US" altLang="ko-KR" b="1" spc="-50" dirty="0" smtClean="0">
+              <a:rPr lang="en-US" altLang="ko-KR" b="1" spc="-50" dirty="0">
                 <a:solidFill>
                   <a:srgbClr val="43435B"/>
                 </a:solidFill>
@@ -3150,7 +3075,7 @@
               <a:t>-&gt; </a:t>
             </a:r>
             <a:r>
-              <a:rPr lang="ko-KR" altLang="en-US" b="1" spc="-50" dirty="0" smtClean="0">
+              <a:rPr lang="ko-KR" altLang="en-US" b="1" spc="-50" dirty="0">
                 <a:solidFill>
                   <a:srgbClr val="FF0000"/>
                 </a:solidFill>
@@ -3159,7 +3084,7 @@
               <a:t>서울시여성인구</a:t>
             </a:r>
             <a:r>
-              <a:rPr lang="ko-KR" altLang="en-US" b="1" spc="-50" dirty="0" smtClean="0">
+              <a:rPr lang="ko-KR" altLang="en-US" b="1" spc="-50" dirty="0">
                 <a:solidFill>
                   <a:srgbClr val="43435B"/>
                 </a:solidFill>
@@ -3168,7 +3093,7 @@
               <a:t>와 </a:t>
             </a:r>
             <a:r>
-              <a:rPr lang="ko-KR" altLang="en-US" b="1" spc="-50" dirty="0" smtClean="0">
+              <a:rPr lang="ko-KR" altLang="en-US" b="1" spc="-50" dirty="0">
                 <a:solidFill>
                   <a:srgbClr val="FF0000"/>
                 </a:solidFill>
@@ -3177,7 +3102,7 @@
               <a:t>이용건수</a:t>
             </a:r>
             <a:r>
-              <a:rPr lang="ko-KR" altLang="en-US" b="1" spc="-50" dirty="0" smtClean="0">
+              <a:rPr lang="ko-KR" altLang="en-US" b="1" spc="-50" dirty="0">
                 <a:solidFill>
                   <a:srgbClr val="43435B"/>
                 </a:solidFill>
@@ -3185,7 +3110,7 @@
               </a:rPr>
               <a:t>의 관계</a:t>
             </a:r>
-            <a:endParaRPr lang="en-US" altLang="ko-KR" b="1" spc="-50" dirty="0" smtClean="0">
+            <a:endParaRPr lang="en-US" altLang="ko-KR" b="1" spc="-50" dirty="0">
               <a:solidFill>
                 <a:srgbClr val="43435B"/>
               </a:solidFill>
@@ -3194,7 +3119,7 @@
           </a:p>
           <a:p>
             <a:r>
-              <a:rPr lang="en-US" altLang="ko-KR" b="1" spc="-50" dirty="0" smtClean="0">
+              <a:rPr lang="en-US" altLang="ko-KR" b="1" spc="-50" dirty="0">
                 <a:solidFill>
                   <a:srgbClr val="43435B"/>
                 </a:solidFill>
@@ -3212,7 +3137,7 @@
               <a:t> </a:t>
             </a:r>
             <a:r>
-              <a:rPr lang="ko-KR" altLang="en-US" b="1" spc="-50" dirty="0" smtClean="0">
+              <a:rPr lang="ko-KR" altLang="en-US" b="1" spc="-50" dirty="0">
                 <a:solidFill>
                   <a:srgbClr val="FF0000"/>
                 </a:solidFill>
@@ -3221,7 +3146,7 @@
               <a:t>지하철 하차승객 </a:t>
             </a:r>
             <a:r>
-              <a:rPr lang="ko-KR" altLang="en-US" b="1" spc="-50" dirty="0" smtClean="0">
+              <a:rPr lang="ko-KR" altLang="en-US" b="1" spc="-50" dirty="0">
                 <a:solidFill>
                   <a:srgbClr val="43435B"/>
                 </a:solidFill>
@@ -3230,7 +3155,7 @@
               <a:t>과 </a:t>
             </a:r>
             <a:r>
-              <a:rPr lang="ko-KR" altLang="en-US" b="1" spc="-50" dirty="0" smtClean="0">
+              <a:rPr lang="ko-KR" altLang="en-US" b="1" spc="-50" dirty="0">
                 <a:solidFill>
                   <a:srgbClr val="FF0000"/>
                 </a:solidFill>
@@ -3239,7 +3164,7 @@
               <a:t>이용건수</a:t>
             </a:r>
             <a:r>
-              <a:rPr lang="ko-KR" altLang="en-US" b="1" spc="-50" dirty="0" smtClean="0">
+              <a:rPr lang="ko-KR" altLang="en-US" b="1" spc="-50" dirty="0">
                 <a:solidFill>
                   <a:srgbClr val="43435B"/>
                 </a:solidFill>
@@ -3247,7 +3172,7 @@
               </a:rPr>
               <a:t>의 관계 </a:t>
             </a:r>
-            <a:endParaRPr lang="en-US" altLang="ko-KR" b="1" spc="-50" dirty="0" smtClean="0">
+            <a:endParaRPr lang="en-US" altLang="ko-KR" b="1" spc="-50" dirty="0">
               <a:solidFill>
                 <a:srgbClr val="43435B"/>
               </a:solidFill>
@@ -3255,7 +3180,7 @@
             </a:endParaRPr>
           </a:p>
           <a:p>
-            <a:endParaRPr lang="en-US" altLang="ko-KR" b="1" spc="-50" dirty="0" smtClean="0">
+            <a:endParaRPr lang="en-US" altLang="ko-KR" b="1" spc="-50" dirty="0">
               <a:solidFill>
                 <a:srgbClr val="43435B"/>
               </a:solidFill>
@@ -3336,7 +3261,7 @@
               <a:buChar char="u"/>
             </a:pPr>
             <a:r>
-              <a:rPr lang="ko-KR" altLang="en-US" b="1" spc="-50" dirty="0" smtClean="0">
+              <a:rPr lang="ko-KR" altLang="en-US" b="1" spc="-50" dirty="0">
                 <a:solidFill>
                   <a:srgbClr val="43435B"/>
                 </a:solidFill>
@@ -3345,7 +3270,7 @@
               <a:t> </a:t>
             </a:r>
             <a:r>
-              <a:rPr lang="en-US" altLang="ko-KR" b="1" spc="-50" dirty="0" smtClean="0">
+              <a:rPr lang="en-US" altLang="ko-KR" b="1" spc="-50" dirty="0">
                 <a:solidFill>
                   <a:srgbClr val="43435B"/>
                 </a:solidFill>
@@ -3356,7 +3281,7 @@
           </a:p>
           <a:p>
             <a:r>
-              <a:rPr lang="ko-KR" altLang="en-US" b="1" spc="-50" dirty="0" smtClean="0">
+              <a:rPr lang="ko-KR" altLang="en-US" b="1" spc="-50" dirty="0">
                 <a:solidFill>
                   <a:srgbClr val="43435B"/>
                 </a:solidFill>
@@ -3365,7 +3290,7 @@
               <a:t>날씨 </a:t>
             </a:r>
             <a:r>
-              <a:rPr lang="en-US" altLang="ko-KR" b="1" spc="-50" dirty="0" smtClean="0">
+              <a:rPr lang="en-US" altLang="ko-KR" b="1" spc="-50" dirty="0">
                 <a:solidFill>
                   <a:srgbClr val="43435B"/>
                 </a:solidFill>
@@ -3374,7 +3299,7 @@
               <a:t>(</a:t>
             </a:r>
             <a:r>
-              <a:rPr lang="ko-KR" altLang="en-US" b="1" spc="-50" dirty="0" smtClean="0">
+              <a:rPr lang="ko-KR" altLang="en-US" b="1" spc="-50" dirty="0">
                 <a:solidFill>
                   <a:srgbClr val="43435B"/>
                 </a:solidFill>
@@ -3383,7 +3308,7 @@
               <a:t>기온</a:t>
             </a:r>
             <a:r>
-              <a:rPr lang="en-US" altLang="ko-KR" b="1" spc="-50" dirty="0" smtClean="0">
+              <a:rPr lang="en-US" altLang="ko-KR" b="1" spc="-50" dirty="0">
                 <a:solidFill>
                   <a:srgbClr val="43435B"/>
                 </a:solidFill>
@@ -3392,7 +3317,7 @@
               <a:t>)</a:t>
             </a:r>
             <a:r>
-              <a:rPr lang="ko-KR" altLang="en-US" b="1" spc="-50" dirty="0" smtClean="0">
+              <a:rPr lang="ko-KR" altLang="en-US" b="1" spc="-50" dirty="0">
                 <a:solidFill>
                   <a:srgbClr val="43435B"/>
                 </a:solidFill>
@@ -3400,7 +3325,7 @@
               </a:rPr>
               <a:t>과 지하철 하차승객이 서비스 이용건수에 영향을 미칠 것으로 판단</a:t>
             </a:r>
-            <a:endParaRPr lang="en-US" altLang="ko-KR" b="1" spc="-50" dirty="0" smtClean="0">
+            <a:endParaRPr lang="en-US" altLang="ko-KR" b="1" spc="-50" dirty="0">
               <a:solidFill>
                 <a:srgbClr val="43435B"/>
               </a:solidFill>
@@ -3408,7 +3333,7 @@
             </a:endParaRPr>
           </a:p>
           <a:p>
-            <a:endParaRPr lang="en-US" altLang="ko-KR" b="1" spc="-50" dirty="0" smtClean="0">
+            <a:endParaRPr lang="en-US" altLang="ko-KR" b="1" spc="-50" dirty="0">
               <a:solidFill>
                 <a:srgbClr val="43435B"/>
               </a:solidFill>
@@ -3417,7 +3342,7 @@
           </a:p>
           <a:p>
             <a:r>
-              <a:rPr lang="ko-KR" altLang="en-US" b="1" spc="-50" dirty="0" smtClean="0">
+              <a:rPr lang="ko-KR" altLang="en-US" b="1" spc="-50" dirty="0">
                 <a:solidFill>
                   <a:srgbClr val="43435B"/>
                 </a:solidFill>
@@ -3426,7 +3351,7 @@
               <a:t>기온과 서비스 이용건수를 독립변수 </a:t>
             </a:r>
             <a:r>
-              <a:rPr lang="en-US" altLang="ko-KR" b="1" spc="-50" dirty="0" smtClean="0">
+              <a:rPr lang="en-US" altLang="ko-KR" b="1" spc="-50" dirty="0">
                 <a:solidFill>
                   <a:srgbClr val="43435B"/>
                 </a:solidFill>
@@ -3441,19 +3366,10 @@
                 </a:solidFill>
                 <a:latin typeface="+mn-ea"/>
               </a:rPr>
-              <a:t> </a:t>
-            </a:r>
-            <a:r>
-              <a:rPr lang="ko-KR" altLang="en-US" b="1" spc="-50" dirty="0" smtClean="0">
-                <a:solidFill>
-                  <a:srgbClr val="43435B"/>
-                </a:solidFill>
-                <a:latin typeface="+mn-ea"/>
-              </a:rPr>
-              <a:t>변수</a:t>
-            </a:r>
-            <a:r>
-              <a:rPr lang="en-US" altLang="ko-KR" b="1" spc="-50" dirty="0" smtClean="0">
+              <a:t> 변수</a:t>
+            </a:r>
+            <a:r>
+              <a:rPr lang="en-US" altLang="ko-KR" b="1" spc="-50" dirty="0">
                 <a:solidFill>
                   <a:srgbClr val="43435B"/>
                 </a:solidFill>
@@ -3464,7 +3380,7 @@
           </a:p>
           <a:p>
             <a:r>
-              <a:rPr lang="ko-KR" altLang="en-US" b="1" spc="-50" dirty="0" smtClean="0">
+              <a:rPr lang="ko-KR" altLang="en-US" b="1" spc="-50" dirty="0">
                 <a:solidFill>
                   <a:srgbClr val="43435B"/>
                 </a:solidFill>
@@ -3473,7 +3389,7 @@
               <a:t>서비스 이용건수를 종속변수 </a:t>
             </a:r>
             <a:r>
-              <a:rPr lang="en-US" altLang="ko-KR" b="1" spc="-50" dirty="0" smtClean="0">
+              <a:rPr lang="en-US" altLang="ko-KR" b="1" spc="-50" dirty="0">
                 <a:solidFill>
                   <a:srgbClr val="43435B"/>
                 </a:solidFill>
@@ -3482,25 +3398,16 @@
               <a:t>(Y</a:t>
             </a:r>
             <a:r>
-              <a:rPr lang="ko-KR" altLang="en-US" b="1" spc="-50" dirty="0" smtClean="0">
-                <a:solidFill>
-                  <a:srgbClr val="43435B"/>
-                </a:solidFill>
-                <a:latin typeface="+mn-ea"/>
-              </a:rPr>
-              <a:t> </a:t>
-            </a:r>
-            <a:r>
               <a:rPr lang="ko-KR" altLang="en-US" b="1" spc="-50" dirty="0">
                 <a:solidFill>
                   <a:srgbClr val="43435B"/>
                 </a:solidFill>
                 <a:latin typeface="+mn-ea"/>
               </a:rPr>
-              <a:t>변수</a:t>
-            </a:r>
-            <a:r>
-              <a:rPr lang="en-US" altLang="ko-KR" b="1" spc="-50" dirty="0" smtClean="0">
+              <a:t> 변수</a:t>
+            </a:r>
+            <a:r>
+              <a:rPr lang="en-US" altLang="ko-KR" b="1" spc="-50" dirty="0">
                 <a:solidFill>
                   <a:srgbClr val="43435B"/>
                 </a:solidFill>
@@ -3510,7 +3417,7 @@
             </a:r>
           </a:p>
           <a:p>
-            <a:endParaRPr lang="en-US" altLang="ko-KR" b="1" spc="-50" dirty="0" smtClean="0">
+            <a:endParaRPr lang="en-US" altLang="ko-KR" b="1" spc="-50" dirty="0">
               <a:solidFill>
                 <a:srgbClr val="43435B"/>
               </a:solidFill>
@@ -3519,7 +3426,7 @@
           </a:p>
           <a:p>
             <a:r>
-              <a:rPr lang="en-US" altLang="ko-KR" b="1" spc="-50" dirty="0" smtClean="0">
+              <a:rPr lang="en-US" altLang="ko-KR" b="1" spc="-50" dirty="0">
                 <a:solidFill>
                   <a:srgbClr val="43435B"/>
                 </a:solidFill>
@@ -3529,7 +3436,7 @@
             </a:r>
           </a:p>
           <a:p>
-            <a:endParaRPr lang="en-US" altLang="ko-KR" b="1" spc="-50" dirty="0" smtClean="0">
+            <a:endParaRPr lang="en-US" altLang="ko-KR" b="1" spc="-50" dirty="0">
               <a:solidFill>
                 <a:srgbClr val="43435B"/>
               </a:solidFill>
@@ -3560,13 +3467,6 @@
       </p:transition>
     </mc:Fallback>
   </mc:AlternateContent>
-  <p:timing>
-    <p:tnLst>
-      <p:par>
-        <p:cTn id="1" dur="indefinite" restart="never" nodeType="tmRoot"/>
-      </p:par>
-    </p:tnLst>
-  </p:timing>
 </p:sld>
 </file>
 
@@ -3656,7 +3556,7 @@
           <a:lstStyle/>
           <a:p>
             <a:r>
-              <a:rPr lang="en-US" altLang="ko-KR" sz="3200" b="1" spc="-50" dirty="0" smtClean="0">
+              <a:rPr lang="en-US" altLang="ko-KR" sz="3200" b="1" spc="-50" dirty="0">
                 <a:solidFill>
                   <a:srgbClr val="43435B"/>
                 </a:solidFill>
@@ -3664,12 +3564,6 @@
               </a:rPr>
               <a:t>3. MODEL BUILDING</a:t>
             </a:r>
-            <a:endParaRPr lang="en-US" altLang="ko-KR" sz="3200" b="1" spc="-50" dirty="0">
-              <a:solidFill>
-                <a:srgbClr val="43435B"/>
-              </a:solidFill>
-              <a:latin typeface="+mn-ea"/>
-            </a:endParaRPr>
           </a:p>
         </p:txBody>
       </p:sp>
@@ -3742,7 +3636,7 @@
               <a:buChar char="u"/>
             </a:pPr>
             <a:r>
-              <a:rPr lang="ko-KR" altLang="en-US" b="1" spc="-50" dirty="0" smtClean="0">
+              <a:rPr lang="ko-KR" altLang="en-US" b="1" spc="-50" dirty="0">
                 <a:solidFill>
                   <a:srgbClr val="43435B"/>
                 </a:solidFill>
@@ -3750,7 +3644,7 @@
               </a:rPr>
               <a:t> 기존의 테스트를 이용하여</a:t>
             </a:r>
-            <a:endParaRPr lang="en-US" altLang="ko-KR" b="1" spc="-50" dirty="0" smtClean="0">
+            <a:endParaRPr lang="en-US" altLang="ko-KR" b="1" spc="-50" dirty="0">
               <a:solidFill>
                 <a:srgbClr val="43435B"/>
               </a:solidFill>
@@ -3765,19 +3659,10 @@
                 </a:solidFill>
                 <a:latin typeface="+mn-ea"/>
               </a:rPr>
-              <a:t> </a:t>
-            </a:r>
-            <a:r>
-              <a:rPr lang="en-US" altLang="ko-KR" b="1" spc="-50" dirty="0" smtClean="0">
-                <a:solidFill>
-                  <a:srgbClr val="43435B"/>
-                </a:solidFill>
-                <a:latin typeface="+mn-ea"/>
-              </a:rPr>
-              <a:t>DATE </a:t>
-            </a:r>
-            <a:r>
-              <a:rPr lang="ko-KR" altLang="en-US" b="1" spc="-50" dirty="0" smtClean="0">
+              <a:t> DATE </a:t>
+            </a:r>
+            <a:r>
+              <a:rPr lang="ko-KR" altLang="en-US" b="1" spc="-50" dirty="0">
                 <a:solidFill>
                   <a:srgbClr val="43435B"/>
                 </a:solidFill>
@@ -3786,7 +3671,7 @@
               <a:t>와 </a:t>
             </a:r>
             <a:r>
-              <a:rPr lang="en-US" altLang="ko-KR" b="1" spc="-50" dirty="0" smtClean="0">
+              <a:rPr lang="en-US" altLang="ko-KR" b="1" spc="-50" dirty="0">
                 <a:solidFill>
                   <a:srgbClr val="43435B"/>
                 </a:solidFill>
@@ -3795,7 +3680,7 @@
               <a:t>DAY (</a:t>
             </a:r>
             <a:r>
-              <a:rPr lang="ko-KR" altLang="en-US" b="1" spc="-50" dirty="0" smtClean="0">
+              <a:rPr lang="ko-KR" altLang="en-US" b="1" spc="-50" dirty="0">
                 <a:solidFill>
                   <a:srgbClr val="43435B"/>
                 </a:solidFill>
@@ -3804,7 +3689,7 @@
               <a:t>요일</a:t>
             </a:r>
             <a:r>
-              <a:rPr lang="en-US" altLang="ko-KR" b="1" spc="-50" dirty="0" smtClean="0">
+              <a:rPr lang="en-US" altLang="ko-KR" b="1" spc="-50" dirty="0">
                 <a:solidFill>
                   <a:srgbClr val="43435B"/>
                 </a:solidFill>
@@ -3813,7 +3698,7 @@
               <a:t>) </a:t>
             </a:r>
             <a:r>
-              <a:rPr lang="ko-KR" altLang="en-US" b="1" spc="-50" dirty="0" smtClean="0">
+              <a:rPr lang="ko-KR" altLang="en-US" b="1" spc="-50" dirty="0">
                 <a:solidFill>
                   <a:srgbClr val="43435B"/>
                 </a:solidFill>
@@ -3822,7 +3707,7 @@
               <a:t>을 </a:t>
             </a:r>
             <a:r>
-              <a:rPr lang="ko-KR" altLang="en-US" b="1" spc="-50" dirty="0" err="1" smtClean="0">
+              <a:rPr lang="ko-KR" altLang="en-US" b="1" spc="-50" dirty="0" err="1">
                 <a:solidFill>
                   <a:srgbClr val="43435B"/>
                 </a:solidFill>
@@ -3830,7 +3715,7 @@
               </a:rPr>
               <a:t>매칭</a:t>
             </a:r>
-            <a:endParaRPr lang="en-US" altLang="ko-KR" b="1" spc="-50" dirty="0" smtClean="0">
+            <a:endParaRPr lang="en-US" altLang="ko-KR" b="1" spc="-50" dirty="0">
               <a:solidFill>
                 <a:srgbClr val="43435B"/>
               </a:solidFill>
@@ -3845,19 +3730,10 @@
                 </a:solidFill>
                 <a:latin typeface="+mn-ea"/>
               </a:rPr>
-              <a:t> </a:t>
-            </a:r>
-            <a:r>
-              <a:rPr lang="en-US" altLang="ko-KR" b="1" spc="-50" dirty="0" smtClean="0">
-                <a:solidFill>
-                  <a:srgbClr val="43435B"/>
-                </a:solidFill>
-                <a:latin typeface="+mn-ea"/>
-              </a:rPr>
-              <a:t>AVERAGE TEMPERATURE</a:t>
-            </a:r>
-            <a:r>
-              <a:rPr lang="ko-KR" altLang="en-US" b="1" spc="-50" dirty="0" smtClean="0">
+              <a:t> AVERAGE TEMPERATURE</a:t>
+            </a:r>
+            <a:r>
+              <a:rPr lang="ko-KR" altLang="en-US" b="1" spc="-50" dirty="0">
                 <a:solidFill>
                   <a:srgbClr val="43435B"/>
                 </a:solidFill>
@@ -3866,7 +3742,7 @@
               <a:t>을 </a:t>
             </a:r>
             <a:r>
-              <a:rPr lang="en-US" altLang="ko-KR" b="1" spc="-50" dirty="0" smtClean="0">
+              <a:rPr lang="en-US" altLang="ko-KR" b="1" spc="-50" dirty="0">
                 <a:solidFill>
                   <a:srgbClr val="43435B"/>
                 </a:solidFill>
@@ -3875,7 +3751,7 @@
               <a:t>(COLD, COOL, MILD, HOT ) </a:t>
             </a:r>
             <a:r>
-              <a:rPr lang="ko-KR" altLang="en-US" b="1" spc="-50" dirty="0" smtClean="0">
+              <a:rPr lang="ko-KR" altLang="en-US" b="1" spc="-50" dirty="0">
                 <a:solidFill>
                   <a:srgbClr val="43435B"/>
                 </a:solidFill>
@@ -3883,7 +3759,7 @@
               </a:rPr>
               <a:t>범주로 나눔 </a:t>
             </a:r>
-            <a:endParaRPr lang="en-US" altLang="ko-KR" b="1" spc="-50" dirty="0" smtClean="0">
+            <a:endParaRPr lang="en-US" altLang="ko-KR" b="1" spc="-50" dirty="0">
               <a:solidFill>
                 <a:srgbClr val="43435B"/>
               </a:solidFill>
@@ -4078,13 +3954,6 @@
       </p:transition>
     </mc:Fallback>
   </mc:AlternateContent>
-  <p:timing>
-    <p:tnLst>
-      <p:par>
-        <p:cTn id="1" dur="indefinite" restart="never" nodeType="tmRoot"/>
-      </p:par>
-    </p:tnLst>
-  </p:timing>
 </p:sld>
 </file>
 
@@ -4174,7 +4043,7 @@
           <a:lstStyle/>
           <a:p>
             <a:r>
-              <a:rPr lang="en-US" altLang="ko-KR" sz="3200" b="1" spc="-50" dirty="0" smtClean="0">
+              <a:rPr lang="en-US" altLang="ko-KR" sz="3200" b="1" spc="-50" dirty="0">
                 <a:solidFill>
                   <a:srgbClr val="43435B"/>
                 </a:solidFill>
@@ -4182,12 +4051,6 @@
               </a:rPr>
               <a:t>4. COMMUNICATE RESULTS</a:t>
             </a:r>
-            <a:endParaRPr lang="en-US" altLang="ko-KR" sz="3200" b="1" spc="-50" dirty="0">
-              <a:solidFill>
-                <a:srgbClr val="43435B"/>
-              </a:solidFill>
-              <a:latin typeface="+mn-ea"/>
-            </a:endParaRPr>
           </a:p>
         </p:txBody>
       </p:sp>
@@ -4259,36 +4122,24 @@
               <a:buAutoNum type="arabicPeriod"/>
             </a:pPr>
             <a:r>
-              <a:rPr lang="ko-KR" altLang="en-US" b="1" spc="-50" dirty="0" smtClean="0">
-                <a:latin typeface="+mn-ea"/>
-              </a:rPr>
-              <a:t>요일과 </a:t>
-            </a:r>
-            <a:r>
               <a:rPr lang="ko-KR" altLang="en-US" b="1" spc="-50" dirty="0">
                 <a:latin typeface="+mn-ea"/>
               </a:rPr>
-              <a:t>이용건수의 상관관계 </a:t>
-            </a:r>
-            <a:r>
-              <a:rPr lang="ko-KR" altLang="en-US" b="1" spc="-50" dirty="0" smtClean="0">
-                <a:latin typeface="+mn-ea"/>
-              </a:rPr>
-              <a:t>분석</a:t>
-            </a:r>
-            <a:endParaRPr lang="en-US" altLang="ko-KR" b="1" spc="-50" dirty="0" smtClean="0">
+              <a:t>요일과 이용건수의 상관관계 분석</a:t>
+            </a:r>
+            <a:endParaRPr lang="en-US" altLang="ko-KR" b="1" spc="-50" dirty="0">
               <a:latin typeface="+mn-ea"/>
             </a:endParaRPr>
           </a:p>
           <a:p>
             <a:r>
-              <a:rPr lang="en-US" altLang="ko-KR" b="1" spc="-50" dirty="0" smtClean="0">
+              <a:rPr lang="en-US" altLang="ko-KR" b="1" spc="-50" dirty="0">
                 <a:latin typeface="+mn-ea"/>
               </a:rPr>
               <a:t>-&gt; </a:t>
             </a:r>
             <a:r>
-              <a:rPr lang="ko-KR" altLang="en-US" b="1" spc="-50" dirty="0" smtClean="0">
+              <a:rPr lang="ko-KR" altLang="en-US" b="1" spc="-50" dirty="0">
                 <a:latin typeface="+mn-ea"/>
               </a:rPr>
               <a:t>유의미한 관계를 알 수 없었다</a:t>
@@ -4385,13 +4236,6 @@
       </p:transition>
     </mc:Fallback>
   </mc:AlternateContent>
-  <p:timing>
-    <p:tnLst>
-      <p:par>
-        <p:cTn id="1" dur="indefinite" restart="never" nodeType="tmRoot"/>
-      </p:par>
-    </p:tnLst>
-  </p:timing>
 </p:sld>
 </file>
 
@@ -4481,7 +4325,7 @@
           <a:lstStyle/>
           <a:p>
             <a:r>
-              <a:rPr lang="en-US" altLang="ko-KR" sz="3200" b="1" spc="-50" dirty="0" smtClean="0">
+              <a:rPr lang="en-US" altLang="ko-KR" sz="3200" b="1" spc="-50" dirty="0">
                 <a:solidFill>
                   <a:srgbClr val="43435B"/>
                 </a:solidFill>
@@ -4489,12 +4333,6 @@
               </a:rPr>
               <a:t>4. COMMUNICATE RESULTS</a:t>
             </a:r>
-            <a:endParaRPr lang="en-US" altLang="ko-KR" sz="3200" b="1" spc="-50" dirty="0">
-              <a:solidFill>
-                <a:srgbClr val="43435B"/>
-              </a:solidFill>
-              <a:latin typeface="+mn-ea"/>
-            </a:endParaRPr>
           </a:p>
         </p:txBody>
       </p:sp>
@@ -4563,63 +4401,57 @@
           <a:lstStyle/>
           <a:p>
             <a:r>
-              <a:rPr lang="en-US" altLang="ko-KR" b="1" spc="-50" dirty="0" smtClean="0">
+              <a:rPr lang="en-US" altLang="ko-KR" b="1" spc="-50" dirty="0">
                 <a:latin typeface="+mn-ea"/>
               </a:rPr>
               <a:t>2. </a:t>
             </a:r>
             <a:r>
-              <a:rPr lang="ko-KR" altLang="en-US" b="1" spc="-50" dirty="0" smtClean="0">
+              <a:rPr lang="ko-KR" altLang="en-US" b="1" spc="-50" dirty="0">
                 <a:latin typeface="+mn-ea"/>
               </a:rPr>
               <a:t>날씨</a:t>
             </a:r>
             <a:r>
-              <a:rPr lang="en-US" altLang="ko-KR" b="1" spc="-50" dirty="0" smtClean="0">
+              <a:rPr lang="en-US" altLang="ko-KR" b="1" spc="-50" dirty="0">
                 <a:latin typeface="+mn-ea"/>
               </a:rPr>
               <a:t>(</a:t>
             </a:r>
             <a:r>
-              <a:rPr lang="ko-KR" altLang="en-US" b="1" spc="-50" dirty="0" smtClean="0">
+              <a:rPr lang="ko-KR" altLang="en-US" b="1" spc="-50" dirty="0">
                 <a:latin typeface="+mn-ea"/>
               </a:rPr>
               <a:t>기온</a:t>
             </a:r>
             <a:r>
-              <a:rPr lang="en-US" altLang="ko-KR" b="1" spc="-50" dirty="0" smtClean="0">
+              <a:rPr lang="en-US" altLang="ko-KR" b="1" spc="-50" dirty="0">
                 <a:latin typeface="+mn-ea"/>
               </a:rPr>
               <a:t>)</a:t>
             </a:r>
             <a:r>
-              <a:rPr lang="ko-KR" altLang="en-US" b="1" spc="-50" dirty="0" smtClean="0">
+              <a:rPr lang="ko-KR" altLang="en-US" b="1" spc="-50" dirty="0">
                 <a:latin typeface="+mn-ea"/>
               </a:rPr>
               <a:t>와 이용건수 상관관계 분석</a:t>
             </a:r>
-            <a:endParaRPr lang="en-US" altLang="ko-KR" b="1" spc="-50" dirty="0" smtClean="0">
+            <a:endParaRPr lang="en-US" altLang="ko-KR" b="1" spc="-50" dirty="0">
               <a:latin typeface="+mn-ea"/>
             </a:endParaRPr>
           </a:p>
           <a:p>
             <a:r>
-              <a:rPr lang="en-US" altLang="ko-KR" b="1" spc="-50" dirty="0" smtClean="0">
+              <a:rPr lang="en-US" altLang="ko-KR" b="1" spc="-50" dirty="0">
                 <a:latin typeface="+mn-ea"/>
               </a:rPr>
               <a:t>-&gt; </a:t>
             </a:r>
             <a:r>
-              <a:rPr lang="ko-KR" altLang="en-US" b="1" spc="-50" dirty="0" smtClean="0">
-                <a:latin typeface="+mn-ea"/>
-              </a:rPr>
-              <a:t>기온은 </a:t>
-            </a:r>
-            <a:r>
-              <a:rPr lang="ko-KR" altLang="en-US" b="1" spc="-50" dirty="0" smtClean="0">
-                <a:latin typeface="+mn-ea"/>
-              </a:rPr>
-              <a:t>이용건수와 상관이 있다</a:t>
+              <a:rPr lang="ko-KR" altLang="en-US" b="1" spc="-50" dirty="0">
+                <a:latin typeface="+mn-ea"/>
+              </a:rPr>
+              <a:t>기온은 이용건수와 상관이 있다</a:t>
             </a:r>
             <a:endParaRPr lang="en-US" altLang="ko-KR" b="1" spc="-50" dirty="0">
               <a:latin typeface="+mn-ea"/>
@@ -4713,13 +4545,6 @@
       </p:transition>
     </mc:Fallback>
   </mc:AlternateContent>
-  <p:timing>
-    <p:tnLst>
-      <p:par>
-        <p:cTn id="1" dur="indefinite" restart="never" nodeType="tmRoot"/>
-      </p:par>
-    </p:tnLst>
-  </p:timing>
 </p:sld>
 </file>
 
@@ -4809,7 +4634,7 @@
           <a:lstStyle/>
           <a:p>
             <a:r>
-              <a:rPr lang="en-US" altLang="ko-KR" sz="3200" b="1" spc="-50" dirty="0" smtClean="0">
+              <a:rPr lang="en-US" altLang="ko-KR" sz="3200" b="1" spc="-50" dirty="0">
                 <a:solidFill>
                   <a:srgbClr val="43435B"/>
                 </a:solidFill>
@@ -4817,12 +4642,6 @@
               </a:rPr>
               <a:t>4. COMMUNICATE RESULTS</a:t>
             </a:r>
-            <a:endParaRPr lang="en-US" altLang="ko-KR" sz="3200" b="1" spc="-50" dirty="0">
-              <a:solidFill>
-                <a:srgbClr val="43435B"/>
-              </a:solidFill>
-              <a:latin typeface="+mn-ea"/>
-            </a:endParaRPr>
           </a:p>
         </p:txBody>
       </p:sp>
@@ -4891,38 +4710,35 @@
           <a:lstStyle/>
           <a:p>
             <a:r>
-              <a:rPr lang="en-US" altLang="ko-KR" b="1" spc="-50" dirty="0" smtClean="0">
+              <a:rPr lang="en-US" altLang="ko-KR" b="1" spc="-50" dirty="0">
                 <a:latin typeface="+mn-ea"/>
               </a:rPr>
               <a:t>3. </a:t>
             </a:r>
             <a:r>
-              <a:rPr lang="ko-KR" altLang="en-US" b="1" spc="-50" dirty="0" smtClean="0">
+              <a:rPr lang="ko-KR" altLang="en-US" b="1" spc="-50" dirty="0">
                 <a:latin typeface="+mn-ea"/>
               </a:rPr>
               <a:t>서울시 여성인구밀도</a:t>
             </a:r>
             <a:r>
-              <a:rPr lang="en-US" altLang="ko-KR" b="1" spc="-50" dirty="0" smtClean="0">
+              <a:rPr lang="en-US" altLang="ko-KR" b="1" spc="-50" dirty="0">
                 <a:latin typeface="+mn-ea"/>
               </a:rPr>
               <a:t>, </a:t>
             </a:r>
             <a:r>
-              <a:rPr lang="ko-KR" altLang="en-US" b="1" spc="-50" dirty="0" smtClean="0">
+              <a:rPr lang="ko-KR" altLang="en-US" b="1" spc="-50" dirty="0">
                 <a:latin typeface="+mn-ea"/>
               </a:rPr>
               <a:t>서비스 이용건수 </a:t>
             </a:r>
             <a:r>
-              <a:rPr lang="en-US" altLang="ko-KR" b="1" spc="-50" dirty="0" smtClean="0">
+              <a:rPr lang="en-US" altLang="ko-KR" b="1" spc="-50" dirty="0">
                 <a:latin typeface="+mn-ea"/>
               </a:rPr>
               <a:t> </a:t>
             </a:r>
-            <a:endParaRPr lang="en-US" altLang="ko-KR" b="1" spc="-50" dirty="0">
-              <a:latin typeface="+mn-ea"/>
-            </a:endParaRPr>
           </a:p>
         </p:txBody>
       </p:sp>
@@ -5076,13 +4892,6 @@
       </p:transition>
     </mc:Fallback>
   </mc:AlternateContent>
-  <p:timing>
-    <p:tnLst>
-      <p:par>
-        <p:cTn id="1" dur="indefinite" restart="never" nodeType="tmRoot"/>
-      </p:par>
-    </p:tnLst>
-  </p:timing>
 </p:sld>
 </file>
 
@@ -5172,7 +4981,7 @@
           <a:lstStyle/>
           <a:p>
             <a:r>
-              <a:rPr lang="en-US" altLang="ko-KR" sz="3200" b="1" spc="-50" dirty="0" smtClean="0">
+              <a:rPr lang="en-US" altLang="ko-KR" sz="3200" b="1" spc="-50" dirty="0">
                 <a:solidFill>
                   <a:srgbClr val="43435B"/>
                 </a:solidFill>
@@ -5180,12 +4989,6 @@
               </a:rPr>
               <a:t>4. COMMUNICATE RESULTS</a:t>
             </a:r>
-            <a:endParaRPr lang="en-US" altLang="ko-KR" sz="3200" b="1" spc="-50" dirty="0">
-              <a:solidFill>
-                <a:srgbClr val="43435B"/>
-              </a:solidFill>
-              <a:latin typeface="+mn-ea"/>
-            </a:endParaRPr>
           </a:p>
         </p:txBody>
       </p:sp>
@@ -5254,25 +5057,25 @@
           <a:lstStyle/>
           <a:p>
             <a:r>
-              <a:rPr lang="en-US" altLang="ko-KR" b="1" spc="-50" dirty="0" smtClean="0">
+              <a:rPr lang="en-US" altLang="ko-KR" b="1" spc="-50" dirty="0">
                 <a:latin typeface="+mn-ea"/>
               </a:rPr>
               <a:t>4. </a:t>
             </a:r>
             <a:r>
-              <a:rPr lang="ko-KR" altLang="en-US" b="1" spc="-50" dirty="0" smtClean="0">
+              <a:rPr lang="ko-KR" altLang="en-US" b="1" spc="-50" dirty="0">
                 <a:latin typeface="+mn-ea"/>
               </a:rPr>
               <a:t>지하철 하차승객</a:t>
             </a:r>
             <a:r>
-              <a:rPr lang="en-US" altLang="ko-KR" b="1" spc="-50" dirty="0" smtClean="0">
+              <a:rPr lang="en-US" altLang="ko-KR" b="1" spc="-50" dirty="0">
                 <a:latin typeface="+mn-ea"/>
               </a:rPr>
               <a:t>, </a:t>
             </a:r>
             <a:r>
-              <a:rPr lang="ko-KR" altLang="en-US" b="1" spc="-50" dirty="0" smtClean="0">
+              <a:rPr lang="ko-KR" altLang="en-US" b="1" spc="-50" dirty="0">
                 <a:latin typeface="+mn-ea"/>
               </a:rPr>
               <a:t>이용건수</a:t>
@@ -5305,13 +5108,6 @@
       </p:transition>
     </mc:Fallback>
   </mc:AlternateContent>
-  <p:timing>
-    <p:tnLst>
-      <p:par>
-        <p:cTn id="1" dur="indefinite" restart="never" nodeType="tmRoot"/>
-      </p:par>
-    </p:tnLst>
-  </p:timing>
 </p:sld>
 </file>
 
@@ -5377,7 +5173,7 @@
                 </a:buClr>
               </a:pPr>
               <a:r>
-                <a:rPr lang="en-US" altLang="ko-KR" sz="2000" spc="-50" dirty="0" smtClean="0">
+                <a:rPr lang="en-US" altLang="ko-KR" sz="2000" spc="-50" dirty="0">
                   <a:solidFill>
                     <a:schemeClr val="tx1">
                       <a:lumMod val="50000"/>
@@ -5424,7 +5220,7 @@
                 </a:buClr>
               </a:pPr>
               <a:r>
-                <a:rPr lang="en-US" altLang="ko-KR" spc="-50" dirty="0" smtClean="0">
+                <a:rPr lang="en-US" altLang="ko-KR" spc="-50" dirty="0">
                   <a:solidFill>
                     <a:srgbClr val="43435B"/>
                   </a:solidFill>
@@ -5464,7 +5260,7 @@
               </a:lnSpc>
             </a:pPr>
             <a:r>
-              <a:rPr lang="en-US" altLang="ko-KR" sz="3600" b="1" spc="-50" dirty="0" smtClean="0">
+              <a:rPr lang="en-US" altLang="ko-KR" sz="3600" b="1" spc="-50" dirty="0">
                 <a:solidFill>
                   <a:srgbClr val="F86B74"/>
                 </a:solidFill>
@@ -5472,12 +5268,6 @@
               </a:rPr>
               <a:t>RESULT</a:t>
             </a:r>
-            <a:endParaRPr lang="en-US" altLang="ko-KR" sz="3600" b="1" spc="-50" dirty="0">
-              <a:solidFill>
-                <a:srgbClr val="F86B74"/>
-              </a:solidFill>
-              <a:latin typeface="+mn-ea"/>
-            </a:endParaRPr>
           </a:p>
         </p:txBody>
       </p:sp>
@@ -5520,12 +5310,6 @@
               </a:rPr>
               <a:t>Ⅲ</a:t>
             </a:r>
-            <a:endParaRPr lang="en-US" altLang="ko-KR" sz="6600" spc="-50" dirty="0" smtClean="0">
-              <a:solidFill>
-                <a:srgbClr val="E5DBD2"/>
-              </a:solidFill>
-              <a:latin typeface="+mn-ea"/>
-            </a:endParaRPr>
           </a:p>
         </p:txBody>
       </p:sp>
@@ -5551,13 +5335,6 @@
       </p:transition>
     </mc:Fallback>
   </mc:AlternateContent>
-  <p:timing>
-    <p:tnLst>
-      <p:par>
-        <p:cTn id="1" dur="indefinite" restart="never" nodeType="tmRoot"/>
-      </p:par>
-    </p:tnLst>
-  </p:timing>
 </p:sld>
 </file>
 
@@ -5647,7 +5424,7 @@
           <a:lstStyle/>
           <a:p>
             <a:r>
-              <a:rPr lang="en-US" altLang="ko-KR" sz="3200" b="1" spc="-50" dirty="0" smtClean="0">
+              <a:rPr lang="en-US" altLang="ko-KR" sz="3200" b="1" spc="-50" dirty="0">
                 <a:solidFill>
                   <a:srgbClr val="43435B"/>
                 </a:solidFill>
@@ -5655,12 +5432,6 @@
               </a:rPr>
               <a:t>1. WEB PAGE</a:t>
             </a:r>
-            <a:endParaRPr lang="en-US" altLang="ko-KR" sz="3200" b="1" spc="-50" dirty="0">
-              <a:solidFill>
-                <a:srgbClr val="43435B"/>
-              </a:solidFill>
-              <a:latin typeface="+mn-ea"/>
-            </a:endParaRPr>
           </a:p>
         </p:txBody>
       </p:sp>
@@ -5729,13 +5500,6 @@
       </p:transition>
     </mc:Fallback>
   </mc:AlternateContent>
-  <p:timing>
-    <p:tnLst>
-      <p:par>
-        <p:cTn id="1" dur="indefinite" restart="never" nodeType="tmRoot"/>
-      </p:par>
-    </p:tnLst>
-  </p:timing>
 </p:sld>
 </file>
 
@@ -5779,7 +5543,7 @@
           <a:lstStyle/>
           <a:p>
             <a:r>
-              <a:rPr lang="ko-KR" altLang="en-US" sz="3200" b="1" spc="-50" dirty="0" smtClean="0">
+              <a:rPr lang="ko-KR" altLang="en-US" sz="3200" b="1" spc="-50" dirty="0">
                 <a:solidFill>
                   <a:srgbClr val="43435B"/>
                 </a:solidFill>
@@ -5787,12 +5551,6 @@
               </a:rPr>
               <a:t>조원 소개</a:t>
             </a:r>
-            <a:endParaRPr lang="ko-KR" altLang="en-US" sz="3200" b="1" spc="-50" dirty="0">
-              <a:solidFill>
-                <a:srgbClr val="43435B"/>
-              </a:solidFill>
-              <a:latin typeface="+mn-ea"/>
-            </a:endParaRPr>
           </a:p>
         </p:txBody>
       </p:sp>
@@ -5861,13 +5619,6 @@
       </p:transition>
     </mc:Fallback>
   </mc:AlternateContent>
-  <p:timing>
-    <p:tnLst>
-      <p:par>
-        <p:cTn id="1" dur="indefinite" restart="never" nodeType="tmRoot"/>
-      </p:par>
-    </p:tnLst>
-  </p:timing>
 </p:sld>
 </file>
 
@@ -5925,23 +5676,8 @@
                 </a:solidFill>
                 <a:latin typeface="+mn-ea"/>
               </a:rPr>
-              <a:t>Thank </a:t>
-            </a:r>
-            <a:r>
-              <a:rPr lang="en-US" altLang="ko-KR" sz="5200" b="1" spc="-150" dirty="0" smtClean="0">
-                <a:solidFill>
-                  <a:srgbClr val="F86B74"/>
-                </a:solidFill>
-                <a:latin typeface="+mn-ea"/>
-              </a:rPr>
-              <a:t>you</a:t>
-            </a:r>
-            <a:endParaRPr lang="en-US" altLang="ko-KR" sz="5200" b="1" spc="-150" dirty="0">
-              <a:solidFill>
-                <a:srgbClr val="F86B74"/>
-              </a:solidFill>
-              <a:latin typeface="+mn-ea"/>
-            </a:endParaRPr>
+              <a:t>Thank you</a:t>
+            </a:r>
           </a:p>
         </p:txBody>
       </p:sp>
@@ -5973,7 +5709,7 @@
               </a:lnSpc>
             </a:pPr>
             <a:r>
-              <a:rPr lang="en-US" altLang="ko-KR" sz="1600" dirty="0" smtClean="0">
+              <a:rPr lang="en-US" altLang="ko-KR" sz="1600" dirty="0">
                 <a:solidFill>
                   <a:schemeClr val="bg1">
                     <a:lumMod val="85000"/>
@@ -5991,7 +5727,7 @@
               </a:lnSpc>
             </a:pPr>
             <a:r>
-              <a:rPr lang="en-US" altLang="ko-KR" sz="1600" dirty="0" smtClean="0">
+              <a:rPr lang="en-US" altLang="ko-KR" sz="1600" dirty="0">
                 <a:solidFill>
                   <a:schemeClr val="bg1">
                     <a:lumMod val="85000"/>
@@ -6001,14 +5737,6 @@
               </a:rPr>
               <a:t>TEMPLATE</a:t>
             </a:r>
-            <a:endParaRPr lang="en-US" altLang="ko-KR" sz="1600" dirty="0">
-              <a:solidFill>
-                <a:schemeClr val="bg1">
-                  <a:lumMod val="85000"/>
-                </a:schemeClr>
-              </a:solidFill>
-              <a:latin typeface="+mn-ea"/>
-            </a:endParaRPr>
           </a:p>
         </p:txBody>
       </p:sp>
@@ -6034,13 +5762,6 @@
       </p:transition>
     </mc:Fallback>
   </mc:AlternateContent>
-  <p:timing>
-    <p:tnLst>
-      <p:par>
-        <p:cTn id="1" dur="indefinite" restart="never" nodeType="tmRoot"/>
-      </p:par>
-    </p:tnLst>
-  </p:timing>
 </p:sld>
 </file>
 
@@ -6106,7 +5827,7 @@
                 </a:buClr>
               </a:pPr>
               <a:r>
-                <a:rPr lang="en-US" altLang="ko-KR" sz="2000" spc="-50" dirty="0" smtClean="0">
+                <a:rPr lang="en-US" altLang="ko-KR" sz="2000" spc="-50" dirty="0">
                   <a:solidFill>
                     <a:schemeClr val="tx1">
                       <a:lumMod val="50000"/>
@@ -6153,7 +5874,7 @@
                 </a:buClr>
               </a:pPr>
               <a:r>
-                <a:rPr lang="en-US" altLang="ko-KR" sz="2000" spc="-50" dirty="0" smtClean="0">
+                <a:rPr lang="en-US" altLang="ko-KR" sz="2000" spc="-50" dirty="0">
                   <a:solidFill>
                     <a:schemeClr val="bg1"/>
                   </a:solidFill>
@@ -6210,7 +5931,7 @@
                 </a:buClr>
               </a:pPr>
               <a:r>
-                <a:rPr lang="en-US" altLang="ko-KR" sz="2000" spc="-50" dirty="0" smtClean="0">
+                <a:rPr lang="en-US" altLang="ko-KR" sz="2000" spc="-50" dirty="0">
                   <a:solidFill>
                     <a:schemeClr val="tx1">
                       <a:lumMod val="50000"/>
@@ -6314,7 +6035,7 @@
                 </a:buClr>
               </a:pPr>
               <a:r>
-                <a:rPr lang="en-US" altLang="ko-KR" sz="2000" spc="-50" dirty="0" smtClean="0">
+                <a:rPr lang="en-US" altLang="ko-KR" sz="2000" spc="-50" dirty="0">
                   <a:solidFill>
                     <a:schemeClr val="tx1">
                       <a:lumMod val="50000"/>
@@ -6442,7 +6163,7 @@
               </a:lnSpc>
             </a:pPr>
             <a:r>
-              <a:rPr lang="ko-KR" altLang="en-US" dirty="0" smtClean="0">
+              <a:rPr lang="ko-KR" altLang="en-US" dirty="0">
                 <a:solidFill>
                   <a:schemeClr val="bg1">
                     <a:lumMod val="85000"/>
@@ -6452,7 +6173,7 @@
               </a:rPr>
               <a:t>서울시 안심스카우트</a:t>
             </a:r>
-            <a:endParaRPr lang="en-US" altLang="ko-KR" dirty="0" smtClean="0">
+            <a:endParaRPr lang="en-US" altLang="ko-KR" dirty="0">
               <a:solidFill>
                 <a:schemeClr val="bg1">
                   <a:lumMod val="85000"/>
@@ -6468,7 +6189,7 @@
               </a:lnSpc>
             </a:pPr>
             <a:r>
-              <a:rPr lang="ko-KR" altLang="en-US" dirty="0" smtClean="0">
+              <a:rPr lang="ko-KR" altLang="en-US" dirty="0">
                 <a:solidFill>
                   <a:schemeClr val="bg1">
                     <a:lumMod val="85000"/>
@@ -6511,13 +6232,6 @@
       </p:transition>
     </mc:Fallback>
   </mc:AlternateContent>
-  <p:timing>
-    <p:tnLst>
-      <p:par>
-        <p:cTn id="1" dur="indefinite" restart="never" nodeType="tmRoot"/>
-      </p:par>
-    </p:tnLst>
-  </p:timing>
 </p:sld>
 </file>
 
@@ -6583,7 +6297,7 @@
                 </a:buClr>
               </a:pPr>
               <a:r>
-                <a:rPr lang="ko-KR" altLang="en-US" sz="2000" spc="-50" dirty="0" smtClean="0">
+                <a:rPr lang="ko-KR" altLang="en-US" sz="2000" spc="-50" dirty="0">
                   <a:solidFill>
                     <a:schemeClr val="tx1">
                       <a:lumMod val="50000"/>
@@ -6594,7 +6308,7 @@
                 </a:rPr>
                 <a:t>안심스카우트 운영과정</a:t>
               </a:r>
-              <a:endParaRPr lang="en-US" altLang="ko-KR" sz="2000" spc="-50" dirty="0" smtClean="0">
+              <a:endParaRPr lang="en-US" altLang="ko-KR" sz="2000" spc="-50" dirty="0">
                 <a:solidFill>
                   <a:schemeClr val="tx1">
                     <a:lumMod val="50000"/>
@@ -6639,7 +6353,7 @@
                 </a:buClr>
               </a:pPr>
               <a:r>
-                <a:rPr lang="en-US" altLang="ko-KR" spc="-50" dirty="0" smtClean="0">
+                <a:rPr lang="en-US" altLang="ko-KR" spc="-50" dirty="0">
                   <a:solidFill>
                     <a:srgbClr val="43435B"/>
                   </a:solidFill>
@@ -6696,7 +6410,7 @@
                 </a:buClr>
               </a:pPr>
               <a:r>
-                <a:rPr lang="en-US" altLang="ko-KR" sz="2000" spc="-50" dirty="0" smtClean="0">
+                <a:rPr lang="en-US" altLang="ko-KR" sz="2000" spc="-50" dirty="0">
                   <a:solidFill>
                     <a:schemeClr val="tx1">
                       <a:lumMod val="50000"/>
@@ -6708,7 +6422,7 @@
                 <a:t>&lt;</a:t>
               </a:r>
               <a:r>
-                <a:rPr lang="ko-KR" altLang="en-US" sz="2000" spc="-50" dirty="0" smtClean="0">
+                <a:rPr lang="ko-KR" altLang="en-US" sz="2000" spc="-50" dirty="0">
                   <a:solidFill>
                     <a:schemeClr val="tx1">
                       <a:lumMod val="50000"/>
@@ -6720,7 +6434,7 @@
                 <a:t>안심이</a:t>
               </a:r>
               <a:r>
-                <a:rPr lang="en-US" altLang="ko-KR" sz="2000" spc="-50" dirty="0" smtClean="0">
+                <a:rPr lang="en-US" altLang="ko-KR" sz="2000" spc="-50" dirty="0">
                   <a:solidFill>
                     <a:schemeClr val="tx1">
                       <a:lumMod val="50000"/>
@@ -6732,7 +6446,7 @@
                 <a:t>&gt;</a:t>
               </a:r>
               <a:r>
-                <a:rPr lang="ko-KR" altLang="en-US" sz="2000" spc="-50" dirty="0" smtClean="0">
+                <a:rPr lang="ko-KR" altLang="en-US" sz="2000" spc="-50" dirty="0">
                   <a:solidFill>
                     <a:schemeClr val="tx1">
                       <a:lumMod val="50000"/>
@@ -6743,7 +6457,7 @@
                 </a:rPr>
                 <a:t>서비스 제안</a:t>
               </a:r>
-              <a:endParaRPr lang="en-US" altLang="ko-KR" sz="2000" spc="-50" dirty="0" smtClean="0">
+              <a:endParaRPr lang="en-US" altLang="ko-KR" sz="2000" spc="-50" dirty="0">
                 <a:solidFill>
                   <a:schemeClr val="tx1">
                     <a:lumMod val="50000"/>
@@ -6788,7 +6502,7 @@
                 </a:buClr>
               </a:pPr>
               <a:r>
-                <a:rPr lang="en-US" altLang="ko-KR" spc="-50" dirty="0" smtClean="0">
+                <a:rPr lang="en-US" altLang="ko-KR" spc="-50" dirty="0">
                   <a:solidFill>
                     <a:srgbClr val="43435B"/>
                   </a:solidFill>
@@ -6845,7 +6559,7 @@
                 </a:buClr>
               </a:pPr>
               <a:r>
-                <a:rPr lang="en-US" altLang="ko-KR" sz="2000" spc="-50" dirty="0" smtClean="0">
+                <a:rPr lang="en-US" altLang="ko-KR" sz="2000" spc="-50" dirty="0">
                   <a:solidFill>
                     <a:schemeClr val="tx1">
                       <a:lumMod val="50000"/>
@@ -6892,7 +6606,7 @@
                 </a:buClr>
               </a:pPr>
               <a:r>
-                <a:rPr lang="en-US" altLang="ko-KR" spc="-50" dirty="0" smtClean="0">
+                <a:rPr lang="en-US" altLang="ko-KR" spc="-50" dirty="0">
                   <a:solidFill>
                     <a:srgbClr val="43435B"/>
                   </a:solidFill>
@@ -6932,7 +6646,7 @@
               </a:lnSpc>
             </a:pPr>
             <a:r>
-              <a:rPr lang="en-US" altLang="ko-KR" sz="3600" b="1" spc="-50" dirty="0" smtClean="0">
+              <a:rPr lang="en-US" altLang="ko-KR" sz="3600" b="1" spc="-50" dirty="0">
                 <a:solidFill>
                   <a:srgbClr val="F86B74"/>
                 </a:solidFill>
@@ -6940,12 +6654,6 @@
               </a:rPr>
               <a:t>DISCOVERY</a:t>
             </a:r>
-            <a:endParaRPr lang="en-US" altLang="ko-KR" sz="3600" b="1" spc="-50" dirty="0">
-              <a:solidFill>
-                <a:srgbClr val="F86B74"/>
-              </a:solidFill>
-              <a:latin typeface="+mn-ea"/>
-            </a:endParaRPr>
           </a:p>
         </p:txBody>
       </p:sp>
@@ -6980,7 +6688,7 @@
               </a:buClr>
             </a:pPr>
             <a:r>
-              <a:rPr lang="en-US" altLang="ko-KR" sz="6600" spc="-50" dirty="0" smtClean="0">
+              <a:rPr lang="en-US" altLang="ko-KR" sz="6600" spc="-50" dirty="0">
                 <a:solidFill>
                   <a:srgbClr val="E5DBD2"/>
                 </a:solidFill>
@@ -7013,13 +6721,6 @@
       </p:transition>
     </mc:Fallback>
   </mc:AlternateContent>
-  <p:timing>
-    <p:tnLst>
-      <p:par>
-        <p:cTn id="1" dur="indefinite" restart="never" nodeType="tmRoot"/>
-      </p:par>
-    </p:tnLst>
-  </p:timing>
 </p:sld>
 </file>
 
@@ -7141,7 +6842,7 @@
           <a:lstStyle/>
           <a:p>
             <a:r>
-              <a:rPr lang="en-US" altLang="ko-KR" sz="3200" b="1" spc="-50" dirty="0" smtClean="0">
+              <a:rPr lang="en-US" altLang="ko-KR" sz="3200" b="1" spc="-50" dirty="0">
                 <a:solidFill>
                   <a:srgbClr val="43435B"/>
                 </a:solidFill>
@@ -7247,7 +6948,7 @@
           <a:p>
             <a:pPr algn="ctr"/>
             <a:r>
-              <a:rPr lang="ko-KR" altLang="en-US" sz="1500" b="1" dirty="0" smtClean="0">
+              <a:rPr lang="ko-KR" altLang="en-US" sz="1500" b="1" dirty="0">
                 <a:solidFill>
                   <a:sysClr val="windowText" lastClr="000000"/>
                 </a:solidFill>
@@ -7255,7 +6956,7 @@
               <a:t>서울시민</a:t>
             </a:r>
             <a:r>
-              <a:rPr lang="ko-KR" altLang="en-US" sz="1500" dirty="0" smtClean="0">
+              <a:rPr lang="ko-KR" altLang="en-US" sz="1500" dirty="0">
                 <a:solidFill>
                   <a:sysClr val="windowText" lastClr="000000"/>
                 </a:solidFill>
@@ -7263,7 +6964,7 @@
               <a:t> </a:t>
             </a:r>
             <a:r>
-              <a:rPr lang="ko-KR" altLang="en-US" sz="1500" b="1" dirty="0" smtClean="0">
+              <a:rPr lang="ko-KR" altLang="en-US" sz="1500" b="1" dirty="0">
                 <a:solidFill>
                   <a:sysClr val="windowText" lastClr="000000"/>
                 </a:solidFill>
@@ -7279,18 +6980,13 @@
               <a:t>/</a:t>
             </a:r>
             <a:r>
-              <a:rPr lang="ko-KR" altLang="en-US" sz="1500" b="1" dirty="0" smtClean="0">
+              <a:rPr lang="ko-KR" altLang="en-US" sz="1500" b="1" dirty="0">
                 <a:solidFill>
                   <a:sysClr val="windowText" lastClr="000000"/>
                 </a:solidFill>
               </a:rPr>
               <a:t>아동</a:t>
             </a:r>
-            <a:endParaRPr lang="ko-KR" altLang="en-US" sz="1500" b="1" dirty="0">
-              <a:solidFill>
-                <a:sysClr val="windowText" lastClr="000000"/>
-              </a:solidFill>
-            </a:endParaRPr>
           </a:p>
         </p:txBody>
       </p:sp>
@@ -7337,7 +7033,7 @@
           <a:p>
             <a:pPr algn="ctr"/>
             <a:r>
-              <a:rPr lang="ko-KR" altLang="en-US" sz="1500" b="1" dirty="0" smtClean="0">
+              <a:rPr lang="ko-KR" altLang="en-US" sz="1500" b="1" dirty="0">
                 <a:solidFill>
                   <a:schemeClr val="tx1"/>
                 </a:solidFill>
@@ -7353,18 +7049,13 @@
           <a:p>
             <a:pPr algn="ctr"/>
             <a:r>
-              <a:rPr lang="ko-KR" altLang="en-US" sz="1500" b="1" dirty="0" smtClean="0">
+              <a:rPr lang="ko-KR" altLang="en-US" sz="1500" b="1" dirty="0">
                 <a:solidFill>
                   <a:schemeClr val="tx1"/>
                 </a:solidFill>
               </a:rPr>
               <a:t>상황실 연결</a:t>
             </a:r>
-            <a:endParaRPr lang="ko-KR" altLang="en-US" sz="1500" b="1" dirty="0">
-              <a:solidFill>
-                <a:schemeClr val="tx1"/>
-              </a:solidFill>
-            </a:endParaRPr>
           </a:p>
         </p:txBody>
       </p:sp>
@@ -7411,18 +7102,13 @@
           <a:p>
             <a:pPr algn="ctr"/>
             <a:r>
-              <a:rPr lang="ko-KR" altLang="en-US" sz="1500" b="1" dirty="0" smtClean="0">
+              <a:rPr lang="ko-KR" altLang="en-US" sz="1500" b="1" dirty="0">
                 <a:solidFill>
                   <a:schemeClr val="tx1"/>
                 </a:solidFill>
               </a:rPr>
               <a:t>상황파악</a:t>
             </a:r>
-            <a:endParaRPr lang="ko-KR" altLang="en-US" sz="1500" b="1" dirty="0">
-              <a:solidFill>
-                <a:schemeClr val="tx1"/>
-              </a:solidFill>
-            </a:endParaRPr>
           </a:p>
         </p:txBody>
       </p:sp>
@@ -7452,7 +7138,7 @@
               <a:buChar char="u"/>
             </a:pPr>
             <a:r>
-              <a:rPr lang="ko-KR" altLang="en-US" b="1" spc="-50" dirty="0" smtClean="0">
+              <a:rPr lang="ko-KR" altLang="en-US" b="1" spc="-50" dirty="0">
                 <a:solidFill>
                   <a:srgbClr val="43435B"/>
                 </a:solidFill>
@@ -7514,10 +7200,9 @@
           <a:p>
             <a:pPr algn="ctr"/>
             <a:r>
-              <a:rPr lang="ko-KR" altLang="en-US" sz="1500" b="1" dirty="0" smtClean="0"/>
+              <a:rPr lang="ko-KR" altLang="en-US" sz="1500" b="1" dirty="0"/>
               <a:t>신청</a:t>
             </a:r>
-            <a:endParaRPr lang="ko-KR" altLang="en-US" sz="1500" b="1" dirty="0"/>
           </a:p>
         </p:txBody>
       </p:sp>
@@ -7642,7 +7327,7 @@
           <a:p>
             <a:pPr algn="ctr"/>
             <a:r>
-              <a:rPr lang="ko-KR" altLang="en-US" sz="1500" b="1" dirty="0" smtClean="0">
+              <a:rPr lang="ko-KR" altLang="en-US" sz="1500" b="1" dirty="0">
                 <a:solidFill>
                   <a:schemeClr val="tx1"/>
                 </a:solidFill>
@@ -7650,7 +7335,7 @@
               <a:t>승인</a:t>
             </a:r>
             <a:r>
-              <a:rPr lang="en-US" altLang="ko-KR" sz="1500" b="1" dirty="0" smtClean="0">
+              <a:rPr lang="en-US" altLang="ko-KR" sz="1500" b="1" dirty="0">
                 <a:solidFill>
                   <a:schemeClr val="tx1"/>
                 </a:solidFill>
@@ -7658,18 +7343,13 @@
               <a:t>/</a:t>
             </a:r>
             <a:r>
-              <a:rPr lang="ko-KR" altLang="en-US" sz="1500" b="1" dirty="0" smtClean="0">
+              <a:rPr lang="ko-KR" altLang="en-US" sz="1500" b="1" dirty="0">
                 <a:solidFill>
                   <a:schemeClr val="tx1"/>
                 </a:solidFill>
               </a:rPr>
               <a:t>거절</a:t>
             </a:r>
-            <a:endParaRPr lang="ko-KR" altLang="en-US" sz="1500" b="1" dirty="0">
-              <a:solidFill>
-                <a:schemeClr val="tx1"/>
-              </a:solidFill>
-            </a:endParaRPr>
           </a:p>
         </p:txBody>
       </p:sp>
@@ -7718,10 +7398,9 @@
           <a:p>
             <a:pPr algn="ctr"/>
             <a:r>
-              <a:rPr lang="ko-KR" altLang="en-US" sz="1500" b="1" dirty="0" smtClean="0"/>
+              <a:rPr lang="ko-KR" altLang="en-US" sz="1500" b="1" dirty="0"/>
               <a:t>연결</a:t>
             </a:r>
-            <a:endParaRPr lang="ko-KR" altLang="en-US" sz="1500" b="1" dirty="0"/>
           </a:p>
         </p:txBody>
       </p:sp>
@@ -7768,14 +7447,14 @@
           <a:p>
             <a:pPr algn="ctr"/>
             <a:r>
-              <a:rPr lang="ko-KR" altLang="en-US" sz="1500" b="1" dirty="0" smtClean="0">
+              <a:rPr lang="ko-KR" altLang="en-US" sz="1500" b="1" dirty="0">
                 <a:solidFill>
                   <a:schemeClr val="tx1"/>
                 </a:solidFill>
               </a:rPr>
               <a:t>신청확정여부 </a:t>
             </a:r>
-            <a:endParaRPr lang="en-US" altLang="ko-KR" sz="1500" b="1" dirty="0" smtClean="0">
+            <a:endParaRPr lang="en-US" altLang="ko-KR" sz="1500" b="1" dirty="0">
               <a:solidFill>
                 <a:schemeClr val="tx1"/>
               </a:solidFill>
@@ -7784,18 +7463,13 @@
           <a:p>
             <a:pPr algn="ctr"/>
             <a:r>
-              <a:rPr lang="ko-KR" altLang="en-US" sz="1500" b="1" dirty="0" smtClean="0">
+              <a:rPr lang="ko-KR" altLang="en-US" sz="1500" b="1" dirty="0">
                 <a:solidFill>
                   <a:schemeClr val="tx1"/>
                 </a:solidFill>
               </a:rPr>
               <a:t>전달</a:t>
             </a:r>
-            <a:endParaRPr lang="ko-KR" altLang="en-US" sz="1500" b="1" dirty="0">
-              <a:solidFill>
-                <a:schemeClr val="tx1"/>
-              </a:solidFill>
-            </a:endParaRPr>
           </a:p>
         </p:txBody>
       </p:sp>
@@ -7822,7 +7496,7 @@
           <a:p>
             <a:pPr algn="ctr"/>
             <a:r>
-              <a:rPr lang="ko-KR" altLang="en-US" b="1" spc="-50" dirty="0" smtClean="0">
+              <a:rPr lang="ko-KR" altLang="en-US" b="1" spc="-50" dirty="0">
                 <a:solidFill>
                   <a:srgbClr val="43435B"/>
                 </a:solidFill>
@@ -7830,7 +7504,7 @@
               </a:rPr>
               <a:t>안심스카우트</a:t>
             </a:r>
-            <a:endParaRPr lang="en-US" altLang="ko-KR" b="1" spc="-50" dirty="0" smtClean="0">
+            <a:endParaRPr lang="en-US" altLang="ko-KR" b="1" spc="-50" dirty="0">
               <a:solidFill>
                 <a:srgbClr val="43435B"/>
               </a:solidFill>
@@ -7840,7 +7514,7 @@
           <a:p>
             <a:pPr algn="ctr"/>
             <a:r>
-              <a:rPr lang="ko-KR" altLang="en-US" b="1" spc="-50" dirty="0" smtClean="0">
+              <a:rPr lang="ko-KR" altLang="en-US" b="1" spc="-50" dirty="0">
                 <a:solidFill>
                   <a:srgbClr val="43435B"/>
                 </a:solidFill>
@@ -7848,7 +7522,7 @@
               </a:rPr>
               <a:t>사용자</a:t>
             </a:r>
-            <a:endParaRPr lang="en-US" altLang="ko-KR" b="1" spc="-50" dirty="0" smtClean="0">
+            <a:endParaRPr lang="en-US" altLang="ko-KR" b="1" spc="-50" dirty="0">
               <a:solidFill>
                 <a:srgbClr val="43435B"/>
               </a:solidFill>
@@ -7880,7 +7554,7 @@
           <a:p>
             <a:pPr algn="ctr"/>
             <a:r>
-              <a:rPr lang="ko-KR" altLang="en-US" b="1" spc="-50" dirty="0" err="1" smtClean="0">
+              <a:rPr lang="ko-KR" altLang="en-US" b="1" spc="-50" dirty="0" err="1">
                 <a:solidFill>
                   <a:srgbClr val="43435B"/>
                 </a:solidFill>
@@ -7888,7 +7562,7 @@
               </a:rPr>
               <a:t>다산콜센터</a:t>
             </a:r>
-            <a:endParaRPr lang="en-US" altLang="ko-KR" b="1" spc="-50" dirty="0" smtClean="0">
+            <a:endParaRPr lang="en-US" altLang="ko-KR" b="1" spc="-50" dirty="0">
               <a:solidFill>
                 <a:srgbClr val="43435B"/>
               </a:solidFill>
@@ -7920,7 +7594,7 @@
           <a:p>
             <a:pPr algn="ctr"/>
             <a:r>
-              <a:rPr lang="ko-KR" altLang="en-US" b="1" spc="-50" dirty="0" smtClean="0">
+              <a:rPr lang="ko-KR" altLang="en-US" b="1" spc="-50" dirty="0">
                 <a:solidFill>
                   <a:srgbClr val="43435B"/>
                 </a:solidFill>
@@ -7928,7 +7602,7 @@
               </a:rPr>
               <a:t>각 구청의</a:t>
             </a:r>
-            <a:endParaRPr lang="en-US" altLang="ko-KR" b="1" spc="-50" dirty="0" smtClean="0">
+            <a:endParaRPr lang="en-US" altLang="ko-KR" b="1" spc="-50" dirty="0">
               <a:solidFill>
                 <a:srgbClr val="43435B"/>
               </a:solidFill>
@@ -7938,7 +7612,7 @@
           <a:p>
             <a:pPr algn="ctr"/>
             <a:r>
-              <a:rPr lang="ko-KR" altLang="en-US" b="1" spc="-50" dirty="0" smtClean="0">
+              <a:rPr lang="ko-KR" altLang="en-US" b="1" spc="-50" dirty="0">
                 <a:solidFill>
                   <a:srgbClr val="43435B"/>
                 </a:solidFill>
@@ -7946,7 +7620,7 @@
               </a:rPr>
               <a:t>종합상황실</a:t>
             </a:r>
-            <a:endParaRPr lang="en-US" altLang="ko-KR" b="1" spc="-50" dirty="0" smtClean="0">
+            <a:endParaRPr lang="en-US" altLang="ko-KR" b="1" spc="-50" dirty="0">
               <a:solidFill>
                 <a:srgbClr val="43435B"/>
               </a:solidFill>
@@ -7998,14 +7672,14 @@
           <a:p>
             <a:pPr algn="ctr"/>
             <a:r>
-              <a:rPr lang="ko-KR" altLang="en-US" sz="1500" b="1" dirty="0" smtClean="0">
+              <a:rPr lang="ko-KR" altLang="en-US" sz="1500" b="1" dirty="0">
                 <a:solidFill>
                   <a:schemeClr val="tx1"/>
                 </a:solidFill>
               </a:rPr>
               <a:t>예약 결과</a:t>
             </a:r>
-            <a:endParaRPr lang="en-US" altLang="ko-KR" sz="1500" b="1" dirty="0" smtClean="0">
+            <a:endParaRPr lang="en-US" altLang="ko-KR" sz="1500" b="1" dirty="0">
               <a:solidFill>
                 <a:schemeClr val="tx1"/>
               </a:solidFill>
@@ -8056,7 +7730,7 @@
           <a:p>
             <a:pPr algn="ctr"/>
             <a:r>
-              <a:rPr lang="ko-KR" altLang="en-US" sz="1500" b="1" dirty="0" smtClean="0">
+              <a:rPr lang="ko-KR" altLang="en-US" sz="1500" b="1" dirty="0">
                 <a:solidFill>
                   <a:schemeClr val="tx1"/>
                 </a:solidFill>
@@ -8064,7 +7738,7 @@
               <a:t>신청자에게</a:t>
             </a:r>
             <a:r>
-              <a:rPr lang="ko-KR" altLang="en-US" sz="1500" dirty="0" smtClean="0">
+              <a:rPr lang="ko-KR" altLang="en-US" sz="1500" dirty="0">
                 <a:solidFill>
                   <a:schemeClr val="tx1"/>
                 </a:solidFill>
@@ -8072,18 +7746,13 @@
               <a:t> </a:t>
             </a:r>
             <a:r>
-              <a:rPr lang="ko-KR" altLang="en-US" sz="1500" b="1" dirty="0" smtClean="0">
+              <a:rPr lang="ko-KR" altLang="en-US" sz="1500" b="1" dirty="0">
                 <a:solidFill>
                   <a:schemeClr val="tx1"/>
                 </a:solidFill>
               </a:rPr>
               <a:t>전달</a:t>
             </a:r>
-            <a:endParaRPr lang="ko-KR" altLang="en-US" sz="1500" b="1" dirty="0">
-              <a:solidFill>
-                <a:schemeClr val="tx1"/>
-              </a:solidFill>
-            </a:endParaRPr>
           </a:p>
         </p:txBody>
       </p:sp>
@@ -8250,13 +7919,6 @@
       </p:transition>
     </mc:Fallback>
   </mc:AlternateContent>
-  <p:timing>
-    <p:tnLst>
-      <p:par>
-        <p:cTn id="1" dur="indefinite" restart="never" nodeType="tmRoot"/>
-      </p:par>
-    </p:tnLst>
-  </p:timing>
 </p:sld>
 </file>
 
@@ -8346,22 +8008,13 @@
           <a:lstStyle/>
           <a:p>
             <a:r>
-              <a:rPr lang="en-US" altLang="ko-KR" sz="3200" b="1" spc="-50" dirty="0" smtClean="0">
-                <a:solidFill>
-                  <a:srgbClr val="43435B"/>
-                </a:solidFill>
-                <a:latin typeface="+mn-ea"/>
-              </a:rPr>
-              <a:t>2. </a:t>
-            </a:r>
-            <a:r>
               <a:rPr lang="en-US" altLang="ko-KR" sz="3200" b="1" spc="-50" dirty="0">
                 <a:solidFill>
                   <a:srgbClr val="43435B"/>
                 </a:solidFill>
                 <a:latin typeface="+mn-ea"/>
               </a:rPr>
-              <a:t>&lt;</a:t>
+              <a:t>2. &lt;</a:t>
             </a:r>
             <a:r>
               <a:rPr lang="ko-KR" altLang="en-US" sz="3200" b="1" spc="-50" dirty="0">
@@ -8462,7 +8115,7 @@
               <a:buChar char="u"/>
             </a:pPr>
             <a:r>
-              <a:rPr lang="en-US" altLang="ko-KR" b="1" spc="-50" dirty="0" smtClean="0">
+              <a:rPr lang="en-US" altLang="ko-KR" b="1" spc="-50" dirty="0">
                 <a:solidFill>
                   <a:srgbClr val="43435B"/>
                 </a:solidFill>
@@ -8471,7 +8124,7 @@
               <a:t>&lt;</a:t>
             </a:r>
             <a:r>
-              <a:rPr lang="ko-KR" altLang="en-US" b="1" spc="-50" dirty="0" smtClean="0">
+              <a:rPr lang="ko-KR" altLang="en-US" b="1" spc="-50" dirty="0">
                 <a:solidFill>
                   <a:srgbClr val="43435B"/>
                 </a:solidFill>
@@ -8480,7 +8133,7 @@
               <a:t>안심이</a:t>
             </a:r>
             <a:r>
-              <a:rPr lang="en-US" altLang="ko-KR" b="1" spc="-50" dirty="0" smtClean="0">
+              <a:rPr lang="en-US" altLang="ko-KR" b="1" spc="-50" dirty="0">
                 <a:solidFill>
                   <a:srgbClr val="43435B"/>
                 </a:solidFill>
@@ -8489,7 +8142,7 @@
               <a:t>&gt; </a:t>
             </a:r>
             <a:r>
-              <a:rPr lang="ko-KR" altLang="en-US" b="1" spc="-50" dirty="0" smtClean="0">
+              <a:rPr lang="ko-KR" altLang="en-US" b="1" spc="-50" dirty="0">
                 <a:solidFill>
                   <a:srgbClr val="43435B"/>
                 </a:solidFill>
@@ -8529,7 +8182,7 @@
           <a:p>
             <a:pPr algn="ctr"/>
             <a:r>
-              <a:rPr lang="en-US" altLang="ko-KR" b="1" spc="-50" dirty="0" smtClean="0">
+              <a:rPr lang="en-US" altLang="ko-KR" b="1" spc="-50" dirty="0">
                 <a:solidFill>
                   <a:srgbClr val="43435B"/>
                 </a:solidFill>
@@ -8541,7 +8194,7 @@
           <a:p>
             <a:pPr algn="ctr"/>
             <a:r>
-              <a:rPr lang="ko-KR" altLang="en-US" b="1" spc="-50" dirty="0" smtClean="0">
+              <a:rPr lang="ko-KR" altLang="en-US" b="1" spc="-50" dirty="0">
                 <a:solidFill>
                   <a:srgbClr val="43435B"/>
                 </a:solidFill>
@@ -8559,7 +8212,7 @@
           <a:p>
             <a:pPr algn="ctr"/>
             <a:r>
-              <a:rPr lang="ko-KR" altLang="en-US" b="1" spc="-50" dirty="0" smtClean="0">
+              <a:rPr lang="ko-KR" altLang="en-US" b="1" spc="-50" dirty="0">
                 <a:solidFill>
                   <a:srgbClr val="43435B"/>
                 </a:solidFill>
@@ -8567,7 +8220,7 @@
               </a:rPr>
               <a:t>서울시 여성정책실</a:t>
             </a:r>
-            <a:endParaRPr lang="en-US" altLang="ko-KR" b="1" spc="-50" dirty="0" smtClean="0">
+            <a:endParaRPr lang="en-US" altLang="ko-KR" b="1" spc="-50" dirty="0">
               <a:solidFill>
                 <a:srgbClr val="43435B"/>
               </a:solidFill>
@@ -8577,7 +8230,7 @@
           <a:p>
             <a:pPr algn="ctr"/>
             <a:r>
-              <a:rPr lang="ko-KR" altLang="en-US" b="1" strike="sngStrike" spc="-50" dirty="0" smtClean="0">
+              <a:rPr lang="ko-KR" altLang="en-US" b="1" strike="sngStrike" spc="-50" dirty="0">
                 <a:solidFill>
                   <a:srgbClr val="43435B"/>
                 </a:solidFill>
@@ -8585,7 +8238,7 @@
               </a:rPr>
               <a:t>서울시민</a:t>
             </a:r>
-            <a:endParaRPr lang="en-US" altLang="ko-KR" b="1" strike="sngStrike" spc="-50" dirty="0" smtClean="0">
+            <a:endParaRPr lang="en-US" altLang="ko-KR" b="1" strike="sngStrike" spc="-50" dirty="0">
               <a:solidFill>
                 <a:srgbClr val="43435B"/>
               </a:solidFill>
@@ -8617,7 +8270,7 @@
           <a:p>
             <a:pPr algn="ctr"/>
             <a:r>
-              <a:rPr lang="en-US" altLang="ko-KR" b="1" spc="-50" dirty="0" smtClean="0">
+              <a:rPr lang="en-US" altLang="ko-KR" b="1" spc="-50" dirty="0">
                 <a:solidFill>
                   <a:srgbClr val="43435B"/>
                 </a:solidFill>
@@ -8629,7 +8282,7 @@
           <a:p>
             <a:pPr algn="ctr"/>
             <a:r>
-              <a:rPr lang="ko-KR" altLang="en-US" b="1" spc="-50" dirty="0" smtClean="0">
+              <a:rPr lang="ko-KR" altLang="en-US" b="1" spc="-50" dirty="0">
                 <a:solidFill>
                   <a:srgbClr val="43435B"/>
                 </a:solidFill>
@@ -8638,7 +8291,7 @@
               <a:t>운영 </a:t>
             </a:r>
             <a:r>
-              <a:rPr lang="en-US" altLang="ko-KR" b="1" spc="-50" dirty="0" smtClean="0">
+              <a:rPr lang="en-US" altLang="ko-KR" b="1" spc="-50" dirty="0">
                 <a:solidFill>
                   <a:srgbClr val="43435B"/>
                 </a:solidFill>
@@ -8650,7 +8303,7 @@
           <a:p>
             <a:pPr algn="ctr"/>
             <a:r>
-              <a:rPr lang="ko-KR" altLang="en-US" b="1" spc="-50" dirty="0" smtClean="0">
+              <a:rPr lang="ko-KR" altLang="en-US" b="1" spc="-50" dirty="0">
                 <a:solidFill>
                   <a:srgbClr val="43435B"/>
                 </a:solidFill>
@@ -8690,7 +8343,7 @@
           <a:p>
             <a:pPr algn="ctr"/>
             <a:r>
-              <a:rPr lang="en-US" altLang="ko-KR" b="1" spc="-50" dirty="0" smtClean="0">
+              <a:rPr lang="en-US" altLang="ko-KR" b="1" spc="-50" dirty="0">
                 <a:solidFill>
                   <a:srgbClr val="43435B"/>
                 </a:solidFill>
@@ -8702,7 +8355,7 @@
           <a:p>
             <a:pPr algn="ctr"/>
             <a:r>
-              <a:rPr lang="ko-KR" altLang="en-US" b="1" spc="-50" dirty="0" smtClean="0">
+              <a:rPr lang="ko-KR" altLang="en-US" b="1" spc="-50" dirty="0">
                 <a:solidFill>
                   <a:srgbClr val="43435B"/>
                 </a:solidFill>
@@ -8711,7 +8364,7 @@
               <a:t>통합된 </a:t>
             </a:r>
             <a:r>
-              <a:rPr lang="en-US" altLang="ko-KR" b="1" spc="-50" dirty="0" smtClean="0">
+              <a:rPr lang="en-US" altLang="ko-KR" b="1" spc="-50" dirty="0">
                 <a:solidFill>
                   <a:srgbClr val="43435B"/>
                 </a:solidFill>
@@ -8723,7 +8376,7 @@
           <a:p>
             <a:pPr algn="ctr"/>
             <a:r>
-              <a:rPr lang="ko-KR" altLang="en-US" b="1" spc="-50" dirty="0" smtClean="0">
+              <a:rPr lang="ko-KR" altLang="en-US" b="1" spc="-50" dirty="0">
                 <a:solidFill>
                   <a:srgbClr val="43435B"/>
                 </a:solidFill>
@@ -8732,7 +8385,7 @@
               <a:t>관리</a:t>
             </a:r>
             <a:r>
-              <a:rPr lang="en-US" altLang="ko-KR" b="1" spc="-50" dirty="0" smtClean="0">
+              <a:rPr lang="en-US" altLang="ko-KR" b="1" spc="-50" dirty="0">
                 <a:solidFill>
                   <a:srgbClr val="43435B"/>
                 </a:solidFill>
@@ -8741,31 +8394,13 @@
               <a:t>/</a:t>
             </a:r>
             <a:r>
-              <a:rPr lang="ko-KR" altLang="en-US" b="1" spc="-50" dirty="0" smtClean="0">
+              <a:rPr lang="ko-KR" altLang="en-US" b="1" spc="-50" dirty="0">
                 <a:solidFill>
                   <a:srgbClr val="43435B"/>
                 </a:solidFill>
                 <a:latin typeface="+mn-ea"/>
               </a:rPr>
               <a:t>정책 방향의</a:t>
-            </a:r>
-            <a:endParaRPr lang="en-US" altLang="ko-KR" b="1" spc="-50" dirty="0" smtClean="0">
-              <a:solidFill>
-                <a:srgbClr val="43435B"/>
-              </a:solidFill>
-              <a:latin typeface="+mn-ea"/>
-            </a:endParaRPr>
-          </a:p>
-          <a:p>
-            <a:pPr algn="ctr"/>
-            <a:r>
-              <a:rPr lang="ko-KR" altLang="en-US" b="1" spc="-50" dirty="0" smtClean="0">
-                <a:solidFill>
-                  <a:srgbClr val="43435B"/>
-                </a:solidFill>
-                <a:latin typeface="+mn-ea"/>
-              </a:rPr>
-              <a:t>편의성</a:t>
             </a:r>
             <a:endParaRPr lang="en-US" altLang="ko-KR" b="1" spc="-50" dirty="0">
               <a:solidFill>
@@ -8774,6 +8409,24 @@
               <a:latin typeface="+mn-ea"/>
             </a:endParaRPr>
           </a:p>
+          <a:p>
+            <a:pPr algn="ctr"/>
+            <a:r>
+              <a:rPr lang="ko-KR" altLang="en-US" b="1" spc="-50" dirty="0">
+                <a:solidFill>
+                  <a:srgbClr val="43435B"/>
+                </a:solidFill>
+                <a:latin typeface="+mn-ea"/>
+              </a:rPr>
+              <a:t>편의성</a:t>
+            </a:r>
+            <a:endParaRPr lang="en-US" altLang="ko-KR" b="1" spc="-50" dirty="0">
+              <a:solidFill>
+                <a:srgbClr val="43435B"/>
+              </a:solidFill>
+              <a:latin typeface="+mn-ea"/>
+            </a:endParaRPr>
+          </a:p>
         </p:txBody>
       </p:sp>
       <p:sp>
@@ -8799,7 +8452,7 @@
           <a:p>
             <a:pPr algn="ctr"/>
             <a:r>
-              <a:rPr lang="ko-KR" altLang="en-US" b="1" spc="-50" dirty="0" smtClean="0">
+              <a:rPr lang="ko-KR" altLang="en-US" b="1" spc="-50" dirty="0">
                 <a:solidFill>
                   <a:srgbClr val="43435B"/>
                 </a:solidFill>
@@ -8807,7 +8460,7 @@
               </a:rPr>
               <a:t>각 구청의</a:t>
             </a:r>
-            <a:endParaRPr lang="en-US" altLang="ko-KR" b="1" spc="-50" dirty="0" smtClean="0">
+            <a:endParaRPr lang="en-US" altLang="ko-KR" b="1" spc="-50" dirty="0">
               <a:solidFill>
                 <a:srgbClr val="43435B"/>
               </a:solidFill>
@@ -8817,7 +8470,7 @@
           <a:p>
             <a:pPr algn="ctr"/>
             <a:r>
-              <a:rPr lang="ko-KR" altLang="en-US" b="1" spc="-50" dirty="0" smtClean="0">
+              <a:rPr lang="ko-KR" altLang="en-US" b="1" spc="-50" dirty="0">
                 <a:solidFill>
                   <a:srgbClr val="43435B"/>
                 </a:solidFill>
@@ -8825,7 +8478,7 @@
               </a:rPr>
               <a:t>종합상황실</a:t>
             </a:r>
-            <a:endParaRPr lang="en-US" altLang="ko-KR" b="1" spc="-50" dirty="0" smtClean="0">
+            <a:endParaRPr lang="en-US" altLang="ko-KR" b="1" spc="-50" dirty="0">
               <a:solidFill>
                 <a:srgbClr val="43435B"/>
               </a:solidFill>
@@ -8899,7 +8552,7 @@
           <a:p>
             <a:pPr algn="ctr"/>
             <a:r>
-              <a:rPr lang="ko-KR" altLang="en-US" b="1" spc="-50" dirty="0" smtClean="0">
+              <a:rPr lang="ko-KR" altLang="en-US" b="1" spc="-50" dirty="0">
                 <a:solidFill>
                   <a:srgbClr val="43435B"/>
                 </a:solidFill>
@@ -9087,7 +8740,7 @@
           <a:p>
             <a:pPr algn="ctr"/>
             <a:r>
-              <a:rPr lang="en-US" altLang="ko-KR" b="1" spc="-50" dirty="0" smtClean="0">
+              <a:rPr lang="en-US" altLang="ko-KR" b="1" spc="-50" dirty="0">
                 <a:solidFill>
                   <a:srgbClr val="43435B"/>
                 </a:solidFill>
@@ -9096,7 +8749,7 @@
               <a:t>&lt;</a:t>
             </a:r>
             <a:r>
-              <a:rPr lang="ko-KR" altLang="en-US" b="1" spc="-50" dirty="0" smtClean="0">
+              <a:rPr lang="ko-KR" altLang="en-US" b="1" spc="-50" dirty="0">
                 <a:solidFill>
                   <a:srgbClr val="43435B"/>
                 </a:solidFill>
@@ -9105,7 +8758,7 @@
               <a:t>안심이</a:t>
             </a:r>
             <a:r>
-              <a:rPr lang="en-US" altLang="ko-KR" b="1" spc="-50" dirty="0" smtClean="0">
+              <a:rPr lang="en-US" altLang="ko-KR" b="1" spc="-50" dirty="0">
                 <a:solidFill>
                   <a:srgbClr val="43435B"/>
                 </a:solidFill>
@@ -9113,12 +8766,6 @@
               </a:rPr>
               <a:t>&gt;</a:t>
             </a:r>
-            <a:endParaRPr lang="en-US" altLang="ko-KR" b="1" spc="-50" dirty="0">
-              <a:solidFill>
-                <a:srgbClr val="43435B"/>
-              </a:solidFill>
-              <a:latin typeface="+mn-ea"/>
-            </a:endParaRPr>
           </a:p>
         </p:txBody>
       </p:sp>
@@ -9144,13 +8791,6 @@
       </p:transition>
     </mc:Fallback>
   </mc:AlternateContent>
-  <p:timing>
-    <p:tnLst>
-      <p:par>
-        <p:cTn id="1" dur="indefinite" restart="never" nodeType="tmRoot"/>
-      </p:par>
-    </p:tnLst>
-  </p:timing>
 </p:sld>
 </file>
 
@@ -9240,22 +8880,13 @@
           <a:lstStyle/>
           <a:p>
             <a:r>
-              <a:rPr lang="en-US" altLang="ko-KR" sz="3200" b="1" spc="-50" dirty="0" smtClean="0">
-                <a:solidFill>
-                  <a:srgbClr val="43435B"/>
-                </a:solidFill>
-                <a:latin typeface="+mn-ea"/>
-              </a:rPr>
-              <a:t>2. </a:t>
-            </a:r>
-            <a:r>
               <a:rPr lang="en-US" altLang="ko-KR" sz="3200" b="1" spc="-50" dirty="0">
                 <a:solidFill>
                   <a:srgbClr val="43435B"/>
                 </a:solidFill>
                 <a:latin typeface="+mn-ea"/>
               </a:rPr>
-              <a:t>&lt;</a:t>
+              <a:t>2. &lt;</a:t>
             </a:r>
             <a:r>
               <a:rPr lang="ko-KR" altLang="en-US" sz="3200" b="1" spc="-50" dirty="0">
@@ -9356,7 +8987,7 @@
               <a:buChar char="u"/>
             </a:pPr>
             <a:r>
-              <a:rPr lang="en-US" altLang="ko-KR" b="1" spc="-50" dirty="0" smtClean="0">
+              <a:rPr lang="en-US" altLang="ko-KR" b="1" spc="-50" dirty="0">
                 <a:solidFill>
                   <a:srgbClr val="43435B"/>
                 </a:solidFill>
@@ -9365,7 +8996,7 @@
               <a:t>&lt;</a:t>
             </a:r>
             <a:r>
-              <a:rPr lang="ko-KR" altLang="en-US" b="1" spc="-50" dirty="0" smtClean="0">
+              <a:rPr lang="ko-KR" altLang="en-US" b="1" spc="-50" dirty="0">
                 <a:solidFill>
                   <a:srgbClr val="43435B"/>
                 </a:solidFill>
@@ -9374,7 +9005,7 @@
               <a:t>안심이</a:t>
             </a:r>
             <a:r>
-              <a:rPr lang="en-US" altLang="ko-KR" b="1" spc="-50" dirty="0" smtClean="0">
+              <a:rPr lang="en-US" altLang="ko-KR" b="1" spc="-50" dirty="0">
                 <a:solidFill>
                   <a:srgbClr val="43435B"/>
                 </a:solidFill>
@@ -9383,7 +9014,7 @@
               <a:t>&gt; </a:t>
             </a:r>
             <a:r>
-              <a:rPr lang="ko-KR" altLang="en-US" b="1" spc="-50" dirty="0" smtClean="0">
+              <a:rPr lang="ko-KR" altLang="en-US" b="1" spc="-50" dirty="0">
                 <a:solidFill>
                   <a:srgbClr val="43435B"/>
                 </a:solidFill>
@@ -9423,7 +9054,7 @@
           <a:p>
             <a:pPr algn="ctr"/>
             <a:r>
-              <a:rPr lang="en-US" altLang="ko-KR" b="1" spc="-50" dirty="0" smtClean="0">
+              <a:rPr lang="en-US" altLang="ko-KR" b="1" spc="-50" dirty="0">
                 <a:solidFill>
                   <a:srgbClr val="43435B"/>
                 </a:solidFill>
@@ -9435,7 +9066,7 @@
           <a:p>
             <a:pPr algn="ctr"/>
             <a:r>
-              <a:rPr lang="ko-KR" altLang="en-US" b="1" spc="-50" dirty="0" smtClean="0">
+              <a:rPr lang="ko-KR" altLang="en-US" b="1" spc="-50" dirty="0">
                 <a:solidFill>
                   <a:srgbClr val="43435B"/>
                 </a:solidFill>
@@ -9453,7 +9084,7 @@
           <a:p>
             <a:pPr algn="ctr"/>
             <a:r>
-              <a:rPr lang="ko-KR" altLang="en-US" b="1" spc="-50" dirty="0" smtClean="0">
+              <a:rPr lang="ko-KR" altLang="en-US" b="1" spc="-50" dirty="0">
                 <a:solidFill>
                   <a:srgbClr val="43435B"/>
                 </a:solidFill>
@@ -9461,7 +9092,7 @@
               </a:rPr>
               <a:t>서울시 여성정책실</a:t>
             </a:r>
-            <a:endParaRPr lang="en-US" altLang="ko-KR" b="1" spc="-50" dirty="0" smtClean="0">
+            <a:endParaRPr lang="en-US" altLang="ko-KR" b="1" spc="-50" dirty="0">
               <a:solidFill>
                 <a:srgbClr val="43435B"/>
               </a:solidFill>
@@ -9471,7 +9102,7 @@
           <a:p>
             <a:pPr algn="ctr"/>
             <a:r>
-              <a:rPr lang="ko-KR" altLang="en-US" b="1" strike="sngStrike" spc="-50" dirty="0" smtClean="0">
+              <a:rPr lang="ko-KR" altLang="en-US" b="1" strike="sngStrike" spc="-50" dirty="0">
                 <a:solidFill>
                   <a:srgbClr val="43435B"/>
                 </a:solidFill>
@@ -9479,7 +9110,7 @@
               </a:rPr>
               <a:t>서울시민</a:t>
             </a:r>
-            <a:endParaRPr lang="en-US" altLang="ko-KR" b="1" strike="sngStrike" spc="-50" dirty="0" smtClean="0">
+            <a:endParaRPr lang="en-US" altLang="ko-KR" b="1" strike="sngStrike" spc="-50" dirty="0">
               <a:solidFill>
                 <a:srgbClr val="43435B"/>
               </a:solidFill>
@@ -9511,7 +9142,7 @@
           <a:p>
             <a:pPr algn="ctr"/>
             <a:r>
-              <a:rPr lang="en-US" altLang="ko-KR" b="1" spc="-50" dirty="0" smtClean="0">
+              <a:rPr lang="en-US" altLang="ko-KR" b="1" spc="-50" dirty="0">
                 <a:solidFill>
                   <a:srgbClr val="43435B"/>
                 </a:solidFill>
@@ -9523,7 +9154,7 @@
           <a:p>
             <a:pPr algn="ctr"/>
             <a:r>
-              <a:rPr lang="ko-KR" altLang="en-US" b="1" spc="-50" dirty="0" smtClean="0">
+              <a:rPr lang="ko-KR" altLang="en-US" b="1" spc="-50" dirty="0">
                 <a:solidFill>
                   <a:srgbClr val="43435B"/>
                 </a:solidFill>
@@ -9532,7 +9163,7 @@
               <a:t>운영 </a:t>
             </a:r>
             <a:r>
-              <a:rPr lang="en-US" altLang="ko-KR" b="1" spc="-50" dirty="0" smtClean="0">
+              <a:rPr lang="en-US" altLang="ko-KR" b="1" spc="-50" dirty="0">
                 <a:solidFill>
                   <a:srgbClr val="43435B"/>
                 </a:solidFill>
@@ -9544,7 +9175,7 @@
           <a:p>
             <a:pPr algn="ctr"/>
             <a:r>
-              <a:rPr lang="ko-KR" altLang="en-US" b="1" spc="-50" dirty="0" smtClean="0">
+              <a:rPr lang="ko-KR" altLang="en-US" b="1" spc="-50" dirty="0">
                 <a:solidFill>
                   <a:srgbClr val="43435B"/>
                 </a:solidFill>
@@ -9584,7 +9215,7 @@
           <a:p>
             <a:pPr algn="ctr"/>
             <a:r>
-              <a:rPr lang="en-US" altLang="ko-KR" b="1" spc="-50" dirty="0" smtClean="0">
+              <a:rPr lang="en-US" altLang="ko-KR" b="1" spc="-50" dirty="0">
                 <a:solidFill>
                   <a:srgbClr val="43435B"/>
                 </a:solidFill>
@@ -9596,7 +9227,7 @@
           <a:p>
             <a:pPr algn="ctr"/>
             <a:r>
-              <a:rPr lang="ko-KR" altLang="en-US" b="1" spc="-50" dirty="0" smtClean="0">
+              <a:rPr lang="ko-KR" altLang="en-US" b="1" spc="-50" dirty="0">
                 <a:solidFill>
                   <a:srgbClr val="43435B"/>
                 </a:solidFill>
@@ -9605,7 +9236,7 @@
               <a:t>통합된 </a:t>
             </a:r>
             <a:r>
-              <a:rPr lang="en-US" altLang="ko-KR" b="1" spc="-50" dirty="0" smtClean="0">
+              <a:rPr lang="en-US" altLang="ko-KR" b="1" spc="-50" dirty="0">
                 <a:solidFill>
                   <a:srgbClr val="43435B"/>
                 </a:solidFill>
@@ -9617,7 +9248,7 @@
           <a:p>
             <a:pPr algn="ctr"/>
             <a:r>
-              <a:rPr lang="ko-KR" altLang="en-US" b="1" spc="-50" dirty="0" smtClean="0">
+              <a:rPr lang="ko-KR" altLang="en-US" b="1" spc="-50" dirty="0">
                 <a:solidFill>
                   <a:srgbClr val="43435B"/>
                 </a:solidFill>
@@ -9626,7 +9257,7 @@
               <a:t>관리</a:t>
             </a:r>
             <a:r>
-              <a:rPr lang="en-US" altLang="ko-KR" b="1" spc="-50" dirty="0" smtClean="0">
+              <a:rPr lang="en-US" altLang="ko-KR" b="1" spc="-50" dirty="0">
                 <a:solidFill>
                   <a:srgbClr val="43435B"/>
                 </a:solidFill>
@@ -9635,31 +9266,13 @@
               <a:t>/</a:t>
             </a:r>
             <a:r>
-              <a:rPr lang="ko-KR" altLang="en-US" b="1" spc="-50" dirty="0" smtClean="0">
+              <a:rPr lang="ko-KR" altLang="en-US" b="1" spc="-50" dirty="0">
                 <a:solidFill>
                   <a:srgbClr val="43435B"/>
                 </a:solidFill>
                 <a:latin typeface="+mn-ea"/>
               </a:rPr>
               <a:t>정책 방향의</a:t>
-            </a:r>
-            <a:endParaRPr lang="en-US" altLang="ko-KR" b="1" spc="-50" dirty="0" smtClean="0">
-              <a:solidFill>
-                <a:srgbClr val="43435B"/>
-              </a:solidFill>
-              <a:latin typeface="+mn-ea"/>
-            </a:endParaRPr>
-          </a:p>
-          <a:p>
-            <a:pPr algn="ctr"/>
-            <a:r>
-              <a:rPr lang="ko-KR" altLang="en-US" b="1" spc="-50" dirty="0" smtClean="0">
-                <a:solidFill>
-                  <a:srgbClr val="43435B"/>
-                </a:solidFill>
-                <a:latin typeface="+mn-ea"/>
-              </a:rPr>
-              <a:t>편의성</a:t>
             </a:r>
             <a:endParaRPr lang="en-US" altLang="ko-KR" b="1" spc="-50" dirty="0">
               <a:solidFill>
@@ -9668,6 +9281,24 @@
               <a:latin typeface="+mn-ea"/>
             </a:endParaRPr>
           </a:p>
+          <a:p>
+            <a:pPr algn="ctr"/>
+            <a:r>
+              <a:rPr lang="ko-KR" altLang="en-US" b="1" spc="-50" dirty="0">
+                <a:solidFill>
+                  <a:srgbClr val="43435B"/>
+                </a:solidFill>
+                <a:latin typeface="+mn-ea"/>
+              </a:rPr>
+              <a:t>편의성</a:t>
+            </a:r>
+            <a:endParaRPr lang="en-US" altLang="ko-KR" b="1" spc="-50" dirty="0">
+              <a:solidFill>
+                <a:srgbClr val="43435B"/>
+              </a:solidFill>
+              <a:latin typeface="+mn-ea"/>
+            </a:endParaRPr>
+          </a:p>
         </p:txBody>
       </p:sp>
       <p:sp>
@@ -9693,7 +9324,7 @@
           <a:p>
             <a:pPr algn="ctr"/>
             <a:r>
-              <a:rPr lang="ko-KR" altLang="en-US" b="1" spc="-50" dirty="0" smtClean="0">
+              <a:rPr lang="ko-KR" altLang="en-US" b="1" spc="-50" dirty="0">
                 <a:solidFill>
                   <a:srgbClr val="43435B"/>
                 </a:solidFill>
@@ -9701,7 +9332,7 @@
               </a:rPr>
               <a:t>각 구청의</a:t>
             </a:r>
-            <a:endParaRPr lang="en-US" altLang="ko-KR" b="1" spc="-50" dirty="0" smtClean="0">
+            <a:endParaRPr lang="en-US" altLang="ko-KR" b="1" spc="-50" dirty="0">
               <a:solidFill>
                 <a:srgbClr val="43435B"/>
               </a:solidFill>
@@ -9711,7 +9342,7 @@
           <a:p>
             <a:pPr algn="ctr"/>
             <a:r>
-              <a:rPr lang="ko-KR" altLang="en-US" b="1" spc="-50" dirty="0" smtClean="0">
+              <a:rPr lang="ko-KR" altLang="en-US" b="1" spc="-50" dirty="0">
                 <a:solidFill>
                   <a:srgbClr val="43435B"/>
                 </a:solidFill>
@@ -9719,7 +9350,7 @@
               </a:rPr>
               <a:t>종합상황실</a:t>
             </a:r>
-            <a:endParaRPr lang="en-US" altLang="ko-KR" b="1" spc="-50" dirty="0" smtClean="0">
+            <a:endParaRPr lang="en-US" altLang="ko-KR" b="1" spc="-50" dirty="0">
               <a:solidFill>
                 <a:srgbClr val="43435B"/>
               </a:solidFill>
@@ -9845,7 +9476,7 @@
           <a:p>
             <a:pPr algn="ctr"/>
             <a:r>
-              <a:rPr lang="en-US" altLang="ko-KR" b="1" spc="-50" dirty="0" smtClean="0">
+              <a:rPr lang="en-US" altLang="ko-KR" b="1" spc="-50" dirty="0">
                 <a:solidFill>
                   <a:srgbClr val="43435B"/>
                 </a:solidFill>
@@ -9854,7 +9485,7 @@
               <a:t>&lt;</a:t>
             </a:r>
             <a:r>
-              <a:rPr lang="ko-KR" altLang="en-US" b="1" spc="-50" dirty="0" smtClean="0">
+              <a:rPr lang="ko-KR" altLang="en-US" b="1" spc="-50" dirty="0">
                 <a:solidFill>
                   <a:srgbClr val="43435B"/>
                 </a:solidFill>
@@ -9863,7 +9494,7 @@
               <a:t>안심이</a:t>
             </a:r>
             <a:r>
-              <a:rPr lang="en-US" altLang="ko-KR" b="1" spc="-50" dirty="0" smtClean="0">
+              <a:rPr lang="en-US" altLang="ko-KR" b="1" spc="-50" dirty="0">
                 <a:solidFill>
                   <a:srgbClr val="43435B"/>
                 </a:solidFill>
@@ -9871,12 +9502,6 @@
               </a:rPr>
               <a:t>&gt;</a:t>
             </a:r>
-            <a:endParaRPr lang="en-US" altLang="ko-KR" b="1" spc="-50" dirty="0">
-              <a:solidFill>
-                <a:srgbClr val="43435B"/>
-              </a:solidFill>
-              <a:latin typeface="+mn-ea"/>
-            </a:endParaRPr>
           </a:p>
         </p:txBody>
       </p:sp>
@@ -9944,7 +9569,7 @@
           <a:p>
             <a:pPr algn="ctr"/>
             <a:r>
-              <a:rPr lang="ko-KR" altLang="en-US" b="1" spc="-50" dirty="0" smtClean="0">
+              <a:rPr lang="ko-KR" altLang="en-US" b="1" spc="-50" dirty="0">
                 <a:solidFill>
                   <a:srgbClr val="43435B"/>
                 </a:solidFill>
@@ -9952,7 +9577,7 @@
               </a:rPr>
               <a:t>정책담당관</a:t>
             </a:r>
-            <a:endParaRPr lang="en-US" altLang="ko-KR" b="1" spc="-50" dirty="0" smtClean="0">
+            <a:endParaRPr lang="en-US" altLang="ko-KR" b="1" spc="-50" dirty="0">
               <a:solidFill>
                 <a:srgbClr val="43435B"/>
               </a:solidFill>
@@ -9983,13 +9608,6 @@
       </p:transition>
     </mc:Fallback>
   </mc:AlternateContent>
-  <p:timing>
-    <p:tnLst>
-      <p:par>
-        <p:cTn id="1" dur="indefinite" restart="never" nodeType="tmRoot"/>
-      </p:par>
-    </p:tnLst>
-  </p:timing>
 </p:sld>
 </file>
 
@@ -10055,7 +9673,7 @@
                 </a:buClr>
               </a:pPr>
               <a:r>
-                <a:rPr lang="en-US" altLang="ko-KR" sz="2000" spc="-50" dirty="0" smtClean="0">
+                <a:rPr lang="en-US" altLang="ko-KR" sz="2000" spc="-50" dirty="0">
                   <a:solidFill>
                     <a:schemeClr val="tx1">
                       <a:lumMod val="50000"/>
@@ -10102,7 +9720,7 @@
                 </a:buClr>
               </a:pPr>
               <a:r>
-                <a:rPr lang="en-US" altLang="ko-KR" spc="-50" dirty="0" smtClean="0">
+                <a:rPr lang="en-US" altLang="ko-KR" spc="-50" dirty="0">
                   <a:solidFill>
                     <a:srgbClr val="43435B"/>
                   </a:solidFill>
@@ -10159,7 +9777,7 @@
                 </a:buClr>
               </a:pPr>
               <a:r>
-                <a:rPr lang="en-US" altLang="ko-KR" sz="2000" spc="-50" dirty="0" smtClean="0">
+                <a:rPr lang="en-US" altLang="ko-KR" sz="2000" spc="-50" dirty="0">
                   <a:solidFill>
                     <a:schemeClr val="tx1">
                       <a:lumMod val="50000"/>
@@ -10206,7 +9824,7 @@
                 </a:buClr>
               </a:pPr>
               <a:r>
-                <a:rPr lang="en-US" altLang="ko-KR" spc="-50" dirty="0" smtClean="0">
+                <a:rPr lang="en-US" altLang="ko-KR" spc="-50" dirty="0">
                   <a:solidFill>
                     <a:srgbClr val="43435B"/>
                   </a:solidFill>
@@ -10263,7 +9881,7 @@
                 </a:buClr>
               </a:pPr>
               <a:r>
-                <a:rPr lang="en-US" altLang="ko-KR" sz="2000" spc="-50" dirty="0" smtClean="0">
+                <a:rPr lang="en-US" altLang="ko-KR" sz="2000" spc="-50" dirty="0">
                   <a:solidFill>
                     <a:schemeClr val="tx1">
                       <a:lumMod val="50000"/>
@@ -10310,7 +9928,7 @@
                 </a:buClr>
               </a:pPr>
               <a:r>
-                <a:rPr lang="en-US" altLang="ko-KR" spc="-50" dirty="0" smtClean="0">
+                <a:rPr lang="en-US" altLang="ko-KR" spc="-50" dirty="0">
                   <a:solidFill>
                     <a:srgbClr val="43435B"/>
                   </a:solidFill>
@@ -10350,7 +9968,7 @@
               </a:lnSpc>
             </a:pPr>
             <a:r>
-              <a:rPr lang="en-US" altLang="ko-KR" sz="3600" b="1" spc="-50" dirty="0" smtClean="0">
+              <a:rPr lang="en-US" altLang="ko-KR" sz="3600" b="1" spc="-50" dirty="0">
                 <a:solidFill>
                   <a:srgbClr val="F86B74"/>
                 </a:solidFill>
@@ -10358,12 +9976,6 @@
               </a:rPr>
               <a:t>PROJECT</a:t>
             </a:r>
-            <a:endParaRPr lang="en-US" altLang="ko-KR" sz="3600" b="1" spc="-50" dirty="0">
-              <a:solidFill>
-                <a:srgbClr val="F86B74"/>
-              </a:solidFill>
-              <a:latin typeface="+mn-ea"/>
-            </a:endParaRPr>
           </a:p>
         </p:txBody>
       </p:sp>
@@ -10398,7 +10010,7 @@
               </a:buClr>
             </a:pPr>
             <a:r>
-              <a:rPr lang="en-US" altLang="ko-KR" sz="6600" spc="-50" dirty="0" smtClean="0">
+              <a:rPr lang="en-US" altLang="ko-KR" sz="6600" spc="-50" dirty="0">
                 <a:solidFill>
                   <a:srgbClr val="E5DBD2"/>
                 </a:solidFill>
@@ -10454,7 +10066,7 @@
                 </a:buClr>
               </a:pPr>
               <a:r>
-                <a:rPr lang="en-US" altLang="ko-KR" sz="2000" spc="-50" dirty="0" smtClean="0">
+                <a:rPr lang="en-US" altLang="ko-KR" sz="2000" spc="-50" dirty="0">
                   <a:solidFill>
                     <a:schemeClr val="tx1">
                       <a:lumMod val="50000"/>
@@ -10501,7 +10113,7 @@
                 </a:buClr>
               </a:pPr>
               <a:r>
-                <a:rPr lang="en-US" altLang="ko-KR" spc="-50" dirty="0" smtClean="0">
+                <a:rPr lang="en-US" altLang="ko-KR" spc="-50" dirty="0">
                   <a:solidFill>
                     <a:srgbClr val="43435B"/>
                   </a:solidFill>
@@ -10535,13 +10147,6 @@
       </p:transition>
     </mc:Fallback>
   </mc:AlternateContent>
-  <p:timing>
-    <p:tnLst>
-      <p:par>
-        <p:cTn id="1" dur="indefinite" restart="never" nodeType="tmRoot"/>
-      </p:par>
-    </p:tnLst>
-  </p:timing>
 </p:sld>
 </file>
 
@@ -10637,23 +10242,8 @@
                 </a:solidFill>
                 <a:latin typeface="+mn-ea"/>
               </a:rPr>
-              <a:t>1. DATA </a:t>
-            </a:r>
-            <a:r>
-              <a:rPr lang="en-US" altLang="ko-KR" sz="3200" b="1" spc="-50" dirty="0" smtClean="0">
-                <a:solidFill>
-                  <a:srgbClr val="43435B"/>
-                </a:solidFill>
-                <a:latin typeface="+mn-ea"/>
-              </a:rPr>
-              <a:t>PREPERATION</a:t>
-            </a:r>
-            <a:endParaRPr lang="en-US" altLang="ko-KR" sz="3200" b="1" spc="-50" dirty="0">
-              <a:solidFill>
-                <a:srgbClr val="43435B"/>
-              </a:solidFill>
-              <a:latin typeface="+mn-ea"/>
-            </a:endParaRPr>
+              <a:t>1. DATA PREPERATION</a:t>
+            </a:r>
           </a:p>
         </p:txBody>
       </p:sp>
@@ -10726,197 +10316,13 @@
               <a:buChar char="u"/>
             </a:pPr>
             <a:r>
-              <a:rPr lang="ko-KR" altLang="en-US" b="1" spc="-50" dirty="0" smtClean="0">
+              <a:rPr lang="ko-KR" altLang="en-US" b="1" spc="-50" dirty="0">
                 <a:solidFill>
                   <a:srgbClr val="43435B"/>
                 </a:solidFill>
                 <a:latin typeface="+mn-ea"/>
               </a:rPr>
               <a:t> 안심스카우트 관련 데이터</a:t>
-            </a:r>
-            <a:endParaRPr lang="en-US" altLang="ko-KR" b="1" spc="-50" dirty="0" smtClean="0">
-              <a:solidFill>
-                <a:srgbClr val="43435B"/>
-              </a:solidFill>
-              <a:latin typeface="+mn-ea"/>
-            </a:endParaRPr>
-          </a:p>
-          <a:p>
-            <a:endParaRPr lang="en-US" altLang="ko-KR" b="1" spc="-50" dirty="0" smtClean="0">
-              <a:solidFill>
-                <a:srgbClr val="43435B"/>
-              </a:solidFill>
-              <a:latin typeface="+mn-ea"/>
-            </a:endParaRPr>
-          </a:p>
-          <a:p>
-            <a:r>
-              <a:rPr lang="en-US" altLang="ko-KR" b="1" spc="-50" dirty="0" smtClean="0">
-                <a:solidFill>
-                  <a:srgbClr val="43435B"/>
-                </a:solidFill>
-                <a:latin typeface="+mn-ea"/>
-              </a:rPr>
-              <a:t>1. </a:t>
-            </a:r>
-            <a:r>
-              <a:rPr lang="ko-KR" altLang="en-US" b="1" spc="-50" dirty="0">
-                <a:solidFill>
-                  <a:srgbClr val="43435B"/>
-                </a:solidFill>
-                <a:latin typeface="+mn-ea"/>
-              </a:rPr>
-              <a:t>안심스카우트 년</a:t>
-            </a:r>
-            <a:r>
-              <a:rPr lang="en-US" altLang="ko-KR" b="1" spc="-50" dirty="0">
-                <a:solidFill>
-                  <a:srgbClr val="43435B"/>
-                </a:solidFill>
-                <a:latin typeface="+mn-ea"/>
-              </a:rPr>
-              <a:t>/</a:t>
-            </a:r>
-            <a:r>
-              <a:rPr lang="ko-KR" altLang="en-US" b="1" spc="-50" dirty="0">
-                <a:solidFill>
-                  <a:srgbClr val="43435B"/>
-                </a:solidFill>
-                <a:latin typeface="+mn-ea"/>
-              </a:rPr>
-              <a:t>월</a:t>
-            </a:r>
-            <a:r>
-              <a:rPr lang="en-US" altLang="ko-KR" b="1" spc="-50" dirty="0">
-                <a:solidFill>
-                  <a:srgbClr val="43435B"/>
-                </a:solidFill>
-                <a:latin typeface="+mn-ea"/>
-              </a:rPr>
-              <a:t>/</a:t>
-            </a:r>
-            <a:r>
-              <a:rPr lang="ko-KR" altLang="en-US" b="1" spc="-50" dirty="0">
-                <a:solidFill>
-                  <a:srgbClr val="43435B"/>
-                </a:solidFill>
-                <a:latin typeface="+mn-ea"/>
-              </a:rPr>
-              <a:t>일</a:t>
-            </a:r>
-            <a:r>
-              <a:rPr lang="en-US" altLang="ko-KR" b="1" spc="-50" dirty="0">
-                <a:solidFill>
-                  <a:srgbClr val="43435B"/>
-                </a:solidFill>
-                <a:latin typeface="+mn-ea"/>
-              </a:rPr>
-              <a:t>/</a:t>
-            </a:r>
-            <a:r>
-              <a:rPr lang="ko-KR" altLang="en-US" b="1" spc="-50" dirty="0">
-                <a:solidFill>
-                  <a:srgbClr val="43435B"/>
-                </a:solidFill>
-                <a:latin typeface="+mn-ea"/>
-              </a:rPr>
-              <a:t>시간대별 이용정보 </a:t>
-            </a:r>
-          </a:p>
-          <a:p>
-            <a:r>
-              <a:rPr lang="en-US" altLang="ko-KR" b="1" spc="-50" dirty="0">
-                <a:solidFill>
-                  <a:srgbClr val="43435B"/>
-                </a:solidFill>
-                <a:latin typeface="+mn-ea"/>
-              </a:rPr>
-              <a:t>2. </a:t>
-            </a:r>
-            <a:r>
-              <a:rPr lang="ko-KR" altLang="en-US" b="1" spc="-50" dirty="0">
-                <a:solidFill>
-                  <a:srgbClr val="43435B"/>
-                </a:solidFill>
-                <a:latin typeface="+mn-ea"/>
-              </a:rPr>
-              <a:t>안심스카우트 </a:t>
-            </a:r>
-            <a:r>
-              <a:rPr lang="ko-KR" altLang="en-US" b="1" spc="-50" dirty="0" err="1">
-                <a:solidFill>
-                  <a:srgbClr val="43435B"/>
-                </a:solidFill>
-                <a:latin typeface="+mn-ea"/>
-              </a:rPr>
-              <a:t>신청장소별</a:t>
-            </a:r>
-            <a:r>
-              <a:rPr lang="ko-KR" altLang="en-US" b="1" spc="-50" dirty="0">
-                <a:solidFill>
-                  <a:srgbClr val="43435B"/>
-                </a:solidFill>
-                <a:latin typeface="+mn-ea"/>
-              </a:rPr>
-              <a:t> 이용정보 </a:t>
-            </a:r>
-          </a:p>
-          <a:p>
-            <a:r>
-              <a:rPr lang="en-US" altLang="ko-KR" b="1" spc="-50" dirty="0">
-                <a:solidFill>
-                  <a:srgbClr val="43435B"/>
-                </a:solidFill>
-                <a:latin typeface="+mn-ea"/>
-              </a:rPr>
-              <a:t>3. </a:t>
-            </a:r>
-            <a:r>
-              <a:rPr lang="ko-KR" altLang="en-US" b="1" spc="-50" dirty="0">
-                <a:solidFill>
-                  <a:srgbClr val="43435B"/>
-                </a:solidFill>
-                <a:latin typeface="+mn-ea"/>
-              </a:rPr>
-              <a:t>이용자 수</a:t>
-            </a:r>
-            <a:r>
-              <a:rPr lang="en-US" altLang="ko-KR" b="1" spc="-50" dirty="0">
-                <a:solidFill>
-                  <a:srgbClr val="43435B"/>
-                </a:solidFill>
-                <a:latin typeface="+mn-ea"/>
-              </a:rPr>
-              <a:t>, </a:t>
-            </a:r>
-            <a:r>
-              <a:rPr lang="ko-KR" altLang="en-US" b="1" spc="-50" dirty="0">
-                <a:solidFill>
-                  <a:srgbClr val="43435B"/>
-                </a:solidFill>
-                <a:latin typeface="+mn-ea"/>
-              </a:rPr>
-              <a:t>안심스카우트 고용자 수 </a:t>
-            </a:r>
-          </a:p>
-          <a:p>
-            <a:r>
-              <a:rPr lang="en-US" altLang="ko-KR" b="1" spc="-50" dirty="0">
-                <a:solidFill>
-                  <a:srgbClr val="43435B"/>
-                </a:solidFill>
-                <a:latin typeface="+mn-ea"/>
-              </a:rPr>
-              <a:t>4. </a:t>
-            </a:r>
-            <a:r>
-              <a:rPr lang="ko-KR" altLang="en-US" b="1" spc="-50" dirty="0">
-                <a:solidFill>
-                  <a:srgbClr val="43435B"/>
-                </a:solidFill>
-                <a:latin typeface="+mn-ea"/>
-              </a:rPr>
-              <a:t>구청 종합상황실 번호 </a:t>
             </a:r>
             <a:endParaRPr lang="en-US" altLang="ko-KR" b="1" spc="-50" dirty="0">
               <a:solidFill>
@@ -10926,8 +10332,192 @@
             </a:endParaRPr>
           </a:p>
           <a:p>
-            <a:r>
-              <a:rPr lang="en-US" altLang="ko-KR" b="1" spc="-50" dirty="0" smtClean="0">
+            <a:endParaRPr lang="en-US" altLang="ko-KR" b="1" spc="-50" dirty="0">
+              <a:solidFill>
+                <a:srgbClr val="43435B"/>
+              </a:solidFill>
+              <a:latin typeface="+mn-ea"/>
+            </a:endParaRPr>
+          </a:p>
+          <a:p>
+            <a:r>
+              <a:rPr lang="en-US" altLang="ko-KR" b="1" spc="-50" dirty="0">
+                <a:solidFill>
+                  <a:srgbClr val="43435B"/>
+                </a:solidFill>
+                <a:latin typeface="+mn-ea"/>
+              </a:rPr>
+              <a:t>1. </a:t>
+            </a:r>
+            <a:r>
+              <a:rPr lang="ko-KR" altLang="en-US" b="1" spc="-50" dirty="0">
+                <a:solidFill>
+                  <a:srgbClr val="43435B"/>
+                </a:solidFill>
+                <a:latin typeface="+mn-ea"/>
+              </a:rPr>
+              <a:t>안심스카우트 년</a:t>
+            </a:r>
+            <a:r>
+              <a:rPr lang="en-US" altLang="ko-KR" b="1" spc="-50" dirty="0">
+                <a:solidFill>
+                  <a:srgbClr val="43435B"/>
+                </a:solidFill>
+                <a:latin typeface="+mn-ea"/>
+              </a:rPr>
+              <a:t>/</a:t>
+            </a:r>
+            <a:r>
+              <a:rPr lang="ko-KR" altLang="en-US" b="1" spc="-50" dirty="0">
+                <a:solidFill>
+                  <a:srgbClr val="43435B"/>
+                </a:solidFill>
+                <a:latin typeface="+mn-ea"/>
+              </a:rPr>
+              <a:t>월</a:t>
+            </a:r>
+            <a:r>
+              <a:rPr lang="en-US" altLang="ko-KR" b="1" spc="-50" dirty="0">
+                <a:solidFill>
+                  <a:srgbClr val="43435B"/>
+                </a:solidFill>
+                <a:latin typeface="+mn-ea"/>
+              </a:rPr>
+              <a:t>/</a:t>
+            </a:r>
+            <a:r>
+              <a:rPr lang="ko-KR" altLang="en-US" b="1" spc="-50" dirty="0">
+                <a:solidFill>
+                  <a:srgbClr val="43435B"/>
+                </a:solidFill>
+                <a:latin typeface="+mn-ea"/>
+              </a:rPr>
+              <a:t>일</a:t>
+            </a:r>
+            <a:r>
+              <a:rPr lang="en-US" altLang="ko-KR" b="1" spc="-50" dirty="0">
+                <a:solidFill>
+                  <a:srgbClr val="43435B"/>
+                </a:solidFill>
+                <a:latin typeface="+mn-ea"/>
+              </a:rPr>
+              <a:t>/</a:t>
+            </a:r>
+            <a:r>
+              <a:rPr lang="ko-KR" altLang="en-US" b="1" spc="-50" dirty="0">
+                <a:solidFill>
+                  <a:srgbClr val="43435B"/>
+                </a:solidFill>
+                <a:latin typeface="+mn-ea"/>
+              </a:rPr>
+              <a:t>시간대별 이용정보 </a:t>
+            </a:r>
+          </a:p>
+          <a:p>
+            <a:r>
+              <a:rPr lang="en-US" altLang="ko-KR" b="1" spc="-50" dirty="0">
+                <a:solidFill>
+                  <a:srgbClr val="43435B"/>
+                </a:solidFill>
+                <a:latin typeface="+mn-ea"/>
+              </a:rPr>
+              <a:t>2. </a:t>
+            </a:r>
+            <a:r>
+              <a:rPr lang="ko-KR" altLang="en-US" b="1" spc="-50" dirty="0">
+                <a:solidFill>
+                  <a:srgbClr val="43435B"/>
+                </a:solidFill>
+                <a:latin typeface="+mn-ea"/>
+              </a:rPr>
+              <a:t>안심스카우트 </a:t>
+            </a:r>
+            <a:r>
+              <a:rPr lang="ko-KR" altLang="en-US" b="1" spc="-50" dirty="0" err="1">
+                <a:solidFill>
+                  <a:srgbClr val="43435B"/>
+                </a:solidFill>
+                <a:latin typeface="+mn-ea"/>
+              </a:rPr>
+              <a:t>신청장소별</a:t>
+            </a:r>
+            <a:r>
+              <a:rPr lang="ko-KR" altLang="en-US" b="1" spc="-50" dirty="0">
+                <a:solidFill>
+                  <a:srgbClr val="43435B"/>
+                </a:solidFill>
+                <a:latin typeface="+mn-ea"/>
+              </a:rPr>
+              <a:t> 이용정보 </a:t>
+            </a:r>
+          </a:p>
+          <a:p>
+            <a:r>
+              <a:rPr lang="en-US" altLang="ko-KR" b="1" spc="-50" dirty="0">
+                <a:solidFill>
+                  <a:srgbClr val="43435B"/>
+                </a:solidFill>
+                <a:latin typeface="+mn-ea"/>
+              </a:rPr>
+              <a:t>3. </a:t>
+            </a:r>
+            <a:r>
+              <a:rPr lang="ko-KR" altLang="en-US" b="1" spc="-50" dirty="0">
+                <a:solidFill>
+                  <a:srgbClr val="43435B"/>
+                </a:solidFill>
+                <a:latin typeface="+mn-ea"/>
+              </a:rPr>
+              <a:t>이용자 수</a:t>
+            </a:r>
+            <a:r>
+              <a:rPr lang="en-US" altLang="ko-KR" b="1" spc="-50" dirty="0">
+                <a:solidFill>
+                  <a:srgbClr val="43435B"/>
+                </a:solidFill>
+                <a:latin typeface="+mn-ea"/>
+              </a:rPr>
+              <a:t>, </a:t>
+            </a:r>
+            <a:r>
+              <a:rPr lang="ko-KR" altLang="en-US" b="1" spc="-50" dirty="0">
+                <a:solidFill>
+                  <a:srgbClr val="43435B"/>
+                </a:solidFill>
+                <a:latin typeface="+mn-ea"/>
+              </a:rPr>
+              <a:t>안심스카우트 고용자 수 </a:t>
+            </a:r>
+          </a:p>
+          <a:p>
+            <a:r>
+              <a:rPr lang="en-US" altLang="ko-KR" b="1" spc="-50" dirty="0">
+                <a:solidFill>
+                  <a:srgbClr val="43435B"/>
+                </a:solidFill>
+                <a:latin typeface="+mn-ea"/>
+              </a:rPr>
+              <a:t>4. </a:t>
+            </a:r>
+            <a:r>
+              <a:rPr lang="ko-KR" altLang="en-US" b="1" spc="-50" dirty="0">
+                <a:solidFill>
+                  <a:srgbClr val="43435B"/>
+                </a:solidFill>
+                <a:latin typeface="+mn-ea"/>
+              </a:rPr>
+              <a:t>구청 종합상황실 번호 </a:t>
+            </a:r>
+            <a:endParaRPr lang="en-US" altLang="ko-KR" b="1" spc="-50" dirty="0">
+              <a:solidFill>
+                <a:srgbClr val="43435B"/>
+              </a:solidFill>
+              <a:latin typeface="+mn-ea"/>
+            </a:endParaRPr>
+          </a:p>
+          <a:p>
+            <a:r>
+              <a:rPr lang="en-US" altLang="ko-KR" b="1" spc="-50" dirty="0">
                 <a:solidFill>
                   <a:srgbClr val="43435B"/>
                 </a:solidFill>
@@ -10936,7 +10526,7 @@
               <a:t>-&gt; </a:t>
             </a:r>
             <a:r>
-              <a:rPr lang="ko-KR" altLang="en-US" b="1" spc="-50" dirty="0" smtClean="0">
+              <a:rPr lang="ko-KR" altLang="en-US" b="1" spc="-50" dirty="0">
                 <a:solidFill>
                   <a:srgbClr val="43435B"/>
                 </a:solidFill>
@@ -10944,7 +10534,7 @@
               </a:rPr>
               <a:t>경로는 개인정보문제로 사용할 수 없음</a:t>
             </a:r>
-            <a:endParaRPr lang="en-US" altLang="ko-KR" b="1" spc="-50" dirty="0" smtClean="0">
+            <a:endParaRPr lang="en-US" altLang="ko-KR" b="1" spc="-50" dirty="0">
               <a:solidFill>
                 <a:srgbClr val="43435B"/>
               </a:solidFill>
@@ -10979,142 +10569,13 @@
               <a:buChar char="u"/>
             </a:pPr>
             <a:r>
-              <a:rPr lang="ko-KR" altLang="en-US" b="1" spc="-50" dirty="0" smtClean="0">
+              <a:rPr lang="ko-KR" altLang="en-US" b="1" spc="-50" dirty="0">
                 <a:solidFill>
                   <a:srgbClr val="43435B"/>
                 </a:solidFill>
                 <a:latin typeface="+mn-ea"/>
               </a:rPr>
               <a:t> 지역별 데이터</a:t>
-            </a:r>
-            <a:endParaRPr lang="en-US" altLang="ko-KR" b="1" spc="-50" dirty="0" smtClean="0">
-              <a:solidFill>
-                <a:srgbClr val="43435B"/>
-              </a:solidFill>
-              <a:latin typeface="+mn-ea"/>
-            </a:endParaRPr>
-          </a:p>
-          <a:p>
-            <a:endParaRPr lang="en-US" altLang="ko-KR" b="1" spc="-50" dirty="0" smtClean="0">
-              <a:solidFill>
-                <a:srgbClr val="43435B"/>
-              </a:solidFill>
-              <a:latin typeface="+mn-ea"/>
-            </a:endParaRPr>
-          </a:p>
-          <a:p>
-            <a:pPr marL="342900" indent="-342900">
-              <a:buAutoNum type="arabicPeriod"/>
-            </a:pPr>
-            <a:r>
-              <a:rPr lang="en-US" altLang="ko-KR" b="1" spc="-50" dirty="0" smtClean="0">
-                <a:solidFill>
-                  <a:srgbClr val="43435B"/>
-                </a:solidFill>
-                <a:latin typeface="+mn-ea"/>
-              </a:rPr>
-              <a:t>22</a:t>
-            </a:r>
-            <a:r>
-              <a:rPr lang="ko-KR" altLang="en-US" b="1" spc="-50" dirty="0">
-                <a:solidFill>
-                  <a:srgbClr val="43435B"/>
-                </a:solidFill>
-                <a:latin typeface="+mn-ea"/>
-              </a:rPr>
-              <a:t>시 </a:t>
-            </a:r>
-            <a:r>
-              <a:rPr lang="en-US" altLang="ko-KR" b="1" spc="-50" dirty="0">
-                <a:solidFill>
-                  <a:srgbClr val="43435B"/>
-                </a:solidFill>
-                <a:latin typeface="+mn-ea"/>
-              </a:rPr>
-              <a:t>~ </a:t>
-            </a:r>
-            <a:r>
-              <a:rPr lang="ko-KR" altLang="en-US" b="1" spc="-50" dirty="0">
-                <a:solidFill>
-                  <a:srgbClr val="43435B"/>
-                </a:solidFill>
-                <a:latin typeface="+mn-ea"/>
-              </a:rPr>
-              <a:t>익일 </a:t>
-            </a:r>
-            <a:r>
-              <a:rPr lang="en-US" altLang="ko-KR" b="1" spc="-50" dirty="0">
-                <a:solidFill>
-                  <a:srgbClr val="43435B"/>
-                </a:solidFill>
-                <a:latin typeface="+mn-ea"/>
-              </a:rPr>
-              <a:t>1</a:t>
-            </a:r>
-            <a:r>
-              <a:rPr lang="ko-KR" altLang="en-US" b="1" spc="-50" dirty="0">
-                <a:solidFill>
-                  <a:srgbClr val="43435B"/>
-                </a:solidFill>
-                <a:latin typeface="+mn-ea"/>
-              </a:rPr>
-              <a:t>시의 </a:t>
-            </a:r>
-            <a:r>
-              <a:rPr lang="ko-KR" altLang="en-US" b="1" spc="-50" dirty="0" smtClean="0">
-                <a:solidFill>
-                  <a:srgbClr val="43435B"/>
-                </a:solidFill>
-                <a:latin typeface="+mn-ea"/>
-              </a:rPr>
-              <a:t>지하철 하차승객</a:t>
-            </a:r>
-            <a:endParaRPr lang="en-US" altLang="ko-KR" b="1" spc="-50" dirty="0" smtClean="0">
-              <a:solidFill>
-                <a:srgbClr val="43435B"/>
-              </a:solidFill>
-              <a:latin typeface="+mn-ea"/>
-            </a:endParaRPr>
-          </a:p>
-          <a:p>
-            <a:pPr marL="342900" indent="-342900">
-              <a:buAutoNum type="arabicPeriod"/>
-            </a:pPr>
-            <a:r>
-              <a:rPr lang="ko-KR" altLang="en-US" b="1" spc="-50" dirty="0" smtClean="0">
-                <a:solidFill>
-                  <a:srgbClr val="43435B"/>
-                </a:solidFill>
-                <a:latin typeface="+mn-ea"/>
-              </a:rPr>
-              <a:t>구</a:t>
-            </a:r>
-            <a:r>
-              <a:rPr lang="en-US" altLang="ko-KR" b="1" spc="-50" dirty="0">
-                <a:solidFill>
-                  <a:srgbClr val="43435B"/>
-                </a:solidFill>
-                <a:latin typeface="+mn-ea"/>
-              </a:rPr>
-              <a:t>, </a:t>
-            </a:r>
-            <a:r>
-              <a:rPr lang="ko-KR" altLang="en-US" b="1" spc="-50" dirty="0" smtClean="0">
-                <a:solidFill>
-                  <a:srgbClr val="43435B"/>
-                </a:solidFill>
-                <a:latin typeface="+mn-ea"/>
-              </a:rPr>
-              <a:t>동 지리정보</a:t>
-            </a:r>
-            <a:r>
-              <a:rPr lang="en-US" altLang="ko-KR" b="1" spc="-50" dirty="0" smtClean="0">
-                <a:solidFill>
-                  <a:srgbClr val="43435B"/>
-                </a:solidFill>
-                <a:latin typeface="+mn-ea"/>
-              </a:rPr>
-              <a:t> </a:t>
             </a:r>
             <a:endParaRPr lang="en-US" altLang="ko-KR" b="1" spc="-50" dirty="0">
               <a:solidFill>
@@ -11124,37 +10585,7 @@
             </a:endParaRPr>
           </a:p>
           <a:p>
-            <a:pPr marL="342900" indent="-342900">
-              <a:buAutoNum type="arabicPeriod" startAt="3"/>
-            </a:pPr>
-            <a:r>
-              <a:rPr lang="ko-KR" altLang="en-US" b="1" spc="-50" dirty="0" smtClean="0">
-                <a:solidFill>
-                  <a:srgbClr val="43435B"/>
-                </a:solidFill>
-                <a:latin typeface="+mn-ea"/>
-              </a:rPr>
-              <a:t>구</a:t>
-            </a:r>
-            <a:r>
-              <a:rPr lang="en-US" altLang="ko-KR" b="1" spc="-50" dirty="0" smtClean="0">
-                <a:solidFill>
-                  <a:srgbClr val="43435B"/>
-                </a:solidFill>
-                <a:latin typeface="+mn-ea"/>
-              </a:rPr>
-              <a:t>, </a:t>
-            </a:r>
-            <a:r>
-              <a:rPr lang="ko-KR" altLang="en-US" b="1" spc="-50" dirty="0" smtClean="0">
-                <a:solidFill>
-                  <a:srgbClr val="43435B"/>
-                </a:solidFill>
-                <a:latin typeface="+mn-ea"/>
-              </a:rPr>
-              <a:t>동 인구정보</a:t>
-            </a:r>
-            <a:endParaRPr lang="en-US" altLang="ko-KR" b="1" spc="-50" dirty="0" smtClean="0">
+            <a:endParaRPr lang="en-US" altLang="ko-KR" b="1" spc="-50" dirty="0">
               <a:solidFill>
                 <a:srgbClr val="43435B"/>
               </a:solidFill>
@@ -11163,10 +10594,154 @@
           </a:p>
           <a:p>
             <a:pPr marL="342900" indent="-342900">
+              <a:buAutoNum type="arabicPeriod"/>
+            </a:pPr>
+            <a:r>
+              <a:rPr lang="en-US" altLang="ko-KR" b="1" spc="-50" dirty="0">
+                <a:solidFill>
+                  <a:srgbClr val="43435B"/>
+                </a:solidFill>
+                <a:latin typeface="+mn-ea"/>
+              </a:rPr>
+              <a:t>22</a:t>
+            </a:r>
+            <a:r>
+              <a:rPr lang="ko-KR" altLang="en-US" b="1" spc="-50" dirty="0">
+                <a:solidFill>
+                  <a:srgbClr val="43435B"/>
+                </a:solidFill>
+                <a:latin typeface="+mn-ea"/>
+              </a:rPr>
+              <a:t>시 </a:t>
+            </a:r>
+            <a:r>
+              <a:rPr lang="en-US" altLang="ko-KR" b="1" spc="-50" dirty="0">
+                <a:solidFill>
+                  <a:srgbClr val="43435B"/>
+                </a:solidFill>
+                <a:latin typeface="+mn-ea"/>
+              </a:rPr>
+              <a:t>~ </a:t>
+            </a:r>
+            <a:r>
+              <a:rPr lang="ko-KR" altLang="en-US" b="1" spc="-50" dirty="0">
+                <a:solidFill>
+                  <a:srgbClr val="43435B"/>
+                </a:solidFill>
+                <a:latin typeface="+mn-ea"/>
+              </a:rPr>
+              <a:t>익일 </a:t>
+            </a:r>
+            <a:r>
+              <a:rPr lang="en-US" altLang="ko-KR" b="1" spc="-50" dirty="0">
+                <a:solidFill>
+                  <a:srgbClr val="43435B"/>
+                </a:solidFill>
+                <a:latin typeface="+mn-ea"/>
+              </a:rPr>
+              <a:t>1</a:t>
+            </a:r>
+            <a:r>
+              <a:rPr lang="ko-KR" altLang="en-US" b="1" spc="-50" dirty="0">
+                <a:solidFill>
+                  <a:srgbClr val="43435B"/>
+                </a:solidFill>
+                <a:latin typeface="+mn-ea"/>
+              </a:rPr>
+              <a:t>시의 지하철 하차승객</a:t>
+            </a:r>
+            <a:endParaRPr lang="en-US" altLang="ko-KR" b="1" spc="-50" dirty="0">
+              <a:solidFill>
+                <a:srgbClr val="43435B"/>
+              </a:solidFill>
+              <a:latin typeface="+mn-ea"/>
+            </a:endParaRPr>
+          </a:p>
+          <a:p>
+            <a:pPr marL="342900" indent="-342900">
+              <a:buAutoNum type="arabicPeriod"/>
+            </a:pPr>
+            <a:r>
+              <a:rPr lang="ko-KR" altLang="en-US" b="1" spc="-50" dirty="0">
+                <a:solidFill>
+                  <a:srgbClr val="43435B"/>
+                </a:solidFill>
+                <a:latin typeface="+mn-ea"/>
+              </a:rPr>
+              <a:t>구</a:t>
+            </a:r>
+            <a:r>
+              <a:rPr lang="en-US" altLang="ko-KR" b="1" spc="-50" dirty="0">
+                <a:solidFill>
+                  <a:srgbClr val="43435B"/>
+                </a:solidFill>
+                <a:latin typeface="+mn-ea"/>
+              </a:rPr>
+              <a:t>, </a:t>
+            </a:r>
+            <a:r>
+              <a:rPr lang="ko-KR" altLang="en-US" b="1" spc="-50" dirty="0">
+                <a:solidFill>
+                  <a:srgbClr val="43435B"/>
+                </a:solidFill>
+                <a:latin typeface="+mn-ea"/>
+              </a:rPr>
+              <a:t>동 지리정보</a:t>
+            </a:r>
+            <a:r>
+              <a:rPr lang="en-US" altLang="ko-KR" b="1" spc="-50" dirty="0">
+                <a:solidFill>
+                  <a:srgbClr val="43435B"/>
+                </a:solidFill>
+                <a:latin typeface="+mn-ea"/>
+              </a:rPr>
+              <a:t> </a:t>
+            </a:r>
+          </a:p>
+          <a:p>
+            <a:pPr marL="342900" indent="-342900">
               <a:buAutoNum type="arabicPeriod" startAt="3"/>
             </a:pPr>
             <a:r>
-              <a:rPr lang="ko-KR" altLang="en-US" b="1" spc="-50" dirty="0" smtClean="0">
+              <a:rPr lang="ko-KR" altLang="en-US" b="1" spc="-50" dirty="0">
+                <a:solidFill>
+                  <a:srgbClr val="43435B"/>
+                </a:solidFill>
+                <a:latin typeface="+mn-ea"/>
+              </a:rPr>
+              <a:t>구</a:t>
+            </a:r>
+            <a:r>
+              <a:rPr lang="en-US" altLang="ko-KR" b="1" spc="-50" dirty="0">
+                <a:solidFill>
+                  <a:srgbClr val="43435B"/>
+                </a:solidFill>
+                <a:latin typeface="+mn-ea"/>
+              </a:rPr>
+              <a:t>, </a:t>
+            </a:r>
+            <a:r>
+              <a:rPr lang="ko-KR" altLang="en-US" b="1" spc="-50" dirty="0">
+                <a:solidFill>
+                  <a:srgbClr val="43435B"/>
+                </a:solidFill>
+                <a:latin typeface="+mn-ea"/>
+              </a:rPr>
+              <a:t>동 인구정보</a:t>
+            </a:r>
+            <a:endParaRPr lang="en-US" altLang="ko-KR" b="1" spc="-50" dirty="0">
+              <a:solidFill>
+                <a:srgbClr val="43435B"/>
+              </a:solidFill>
+              <a:latin typeface="+mn-ea"/>
+            </a:endParaRPr>
+          </a:p>
+          <a:p>
+            <a:pPr marL="342900" indent="-342900">
+              <a:buAutoNum type="arabicPeriod" startAt="3"/>
+            </a:pPr>
+            <a:r>
+              <a:rPr lang="ko-KR" altLang="en-US" b="1" spc="-50" dirty="0">
                 <a:solidFill>
                   <a:srgbClr val="43435B"/>
                 </a:solidFill>
@@ -11175,7 +10750,7 @@
               <a:t>경찰서</a:t>
             </a:r>
             <a:r>
-              <a:rPr lang="en-US" altLang="ko-KR" b="1" spc="-50" dirty="0" smtClean="0">
+              <a:rPr lang="en-US" altLang="ko-KR" b="1" spc="-50" dirty="0">
                 <a:solidFill>
                   <a:srgbClr val="43435B"/>
                 </a:solidFill>
@@ -11184,7 +10759,7 @@
               <a:t>, </a:t>
             </a:r>
             <a:r>
-              <a:rPr lang="ko-KR" altLang="en-US" b="1" spc="-50" dirty="0" smtClean="0">
+              <a:rPr lang="ko-KR" altLang="en-US" b="1" spc="-50" dirty="0">
                 <a:solidFill>
                   <a:srgbClr val="43435B"/>
                 </a:solidFill>
@@ -11193,7 +10768,7 @@
               <a:t>소방서 위치정보</a:t>
             </a:r>
             <a:r>
-              <a:rPr lang="en-US" altLang="ko-KR" b="1" spc="-50" dirty="0" smtClean="0">
+              <a:rPr lang="en-US" altLang="ko-KR" b="1" spc="-50" dirty="0">
                 <a:solidFill>
                   <a:srgbClr val="43435B"/>
                 </a:solidFill>
@@ -11230,97 +10805,13 @@
               <a:buChar char="u"/>
             </a:pPr>
             <a:r>
-              <a:rPr lang="ko-KR" altLang="en-US" b="1" spc="-50" dirty="0" smtClean="0">
+              <a:rPr lang="ko-KR" altLang="en-US" b="1" spc="-50" dirty="0">
                 <a:solidFill>
                   <a:srgbClr val="43435B"/>
                 </a:solidFill>
                 <a:latin typeface="+mn-ea"/>
               </a:rPr>
               <a:t> 기타 요인 데이터</a:t>
-            </a:r>
-            <a:endParaRPr lang="en-US" altLang="ko-KR" b="1" spc="-50" dirty="0" smtClean="0">
-              <a:solidFill>
-                <a:srgbClr val="43435B"/>
-              </a:solidFill>
-              <a:latin typeface="+mn-ea"/>
-            </a:endParaRPr>
-          </a:p>
-          <a:p>
-            <a:endParaRPr lang="en-US" altLang="ko-KR" b="1" spc="-50" dirty="0" smtClean="0">
-              <a:solidFill>
-                <a:srgbClr val="43435B"/>
-              </a:solidFill>
-              <a:latin typeface="+mn-ea"/>
-            </a:endParaRPr>
-          </a:p>
-          <a:p>
-            <a:pPr marL="342900" indent="-342900">
-              <a:buAutoNum type="arabicPeriod"/>
-            </a:pPr>
-            <a:r>
-              <a:rPr lang="ko-KR" altLang="en-US" b="1" spc="-50" dirty="0" smtClean="0">
-                <a:solidFill>
-                  <a:srgbClr val="43435B"/>
-                </a:solidFill>
-                <a:latin typeface="+mn-ea"/>
-              </a:rPr>
-              <a:t>날씨</a:t>
-            </a:r>
-            <a:r>
-              <a:rPr lang="en-US" altLang="ko-KR" b="1" spc="-50" dirty="0" smtClean="0">
-                <a:solidFill>
-                  <a:srgbClr val="43435B"/>
-                </a:solidFill>
-                <a:latin typeface="+mn-ea"/>
-              </a:rPr>
-              <a:t>(</a:t>
-            </a:r>
-            <a:r>
-              <a:rPr lang="ko-KR" altLang="en-US" b="1" spc="-50" dirty="0" smtClean="0">
-                <a:solidFill>
-                  <a:srgbClr val="43435B"/>
-                </a:solidFill>
-                <a:latin typeface="+mn-ea"/>
-              </a:rPr>
-              <a:t>기온</a:t>
-            </a:r>
-            <a:r>
-              <a:rPr lang="en-US" altLang="ko-KR" b="1" spc="-50" dirty="0" smtClean="0">
-                <a:solidFill>
-                  <a:srgbClr val="43435B"/>
-                </a:solidFill>
-                <a:latin typeface="+mn-ea"/>
-              </a:rPr>
-              <a:t>)</a:t>
-            </a:r>
-            <a:r>
-              <a:rPr lang="ko-KR" altLang="en-US" b="1" spc="-50" dirty="0" smtClean="0">
-                <a:solidFill>
-                  <a:srgbClr val="43435B"/>
-                </a:solidFill>
-                <a:latin typeface="+mn-ea"/>
-              </a:rPr>
-              <a:t>정보</a:t>
-            </a:r>
-            <a:endParaRPr lang="en-US" altLang="ko-KR" b="1" spc="-50" dirty="0" smtClean="0">
-              <a:solidFill>
-                <a:srgbClr val="43435B"/>
-              </a:solidFill>
-              <a:latin typeface="+mn-ea"/>
-            </a:endParaRPr>
-          </a:p>
-          <a:p>
-            <a:pPr marL="342900" indent="-342900">
-              <a:buAutoNum type="arabicPeriod"/>
-            </a:pPr>
-            <a:r>
-              <a:rPr lang="ko-KR" altLang="en-US" b="1" spc="-50" dirty="0" smtClean="0">
-                <a:solidFill>
-                  <a:srgbClr val="43435B"/>
-                </a:solidFill>
-                <a:latin typeface="+mn-ea"/>
-              </a:rPr>
-              <a:t>날짜 데이터</a:t>
             </a:r>
             <a:endParaRPr lang="en-US" altLang="ko-KR" b="1" spc="-50" dirty="0">
               <a:solidFill>
@@ -11330,25 +10821,7 @@
             </a:endParaRPr>
           </a:p>
           <a:p>
-            <a:r>
-              <a:rPr lang="en-US" altLang="ko-KR" b="1" spc="-50" dirty="0" smtClean="0">
-                <a:solidFill>
-                  <a:srgbClr val="43435B"/>
-                </a:solidFill>
-                <a:latin typeface="+mn-ea"/>
-              </a:rPr>
-              <a:t>3.  </a:t>
-            </a:r>
-            <a:r>
-              <a:rPr lang="ko-KR" altLang="en-US" b="1" spc="-50" dirty="0" smtClean="0">
-                <a:solidFill>
-                  <a:srgbClr val="43435B"/>
-                </a:solidFill>
-                <a:latin typeface="+mn-ea"/>
-              </a:rPr>
-              <a:t>등</a:t>
-            </a:r>
-            <a:endParaRPr lang="en-US" altLang="ko-KR" b="1" spc="-50" dirty="0" smtClean="0">
+            <a:endParaRPr lang="en-US" altLang="ko-KR" b="1" spc="-50" dirty="0">
               <a:solidFill>
                 <a:srgbClr val="43435B"/>
               </a:solidFill>
@@ -11356,7 +10829,55 @@
             </a:endParaRPr>
           </a:p>
           <a:p>
-            <a:endParaRPr lang="en-US" altLang="ko-KR" b="1" spc="-50" dirty="0" smtClean="0">
+            <a:pPr marL="342900" indent="-342900">
+              <a:buAutoNum type="arabicPeriod"/>
+            </a:pPr>
+            <a:r>
+              <a:rPr lang="ko-KR" altLang="en-US" b="1" spc="-50" dirty="0">
+                <a:solidFill>
+                  <a:srgbClr val="43435B"/>
+                </a:solidFill>
+                <a:latin typeface="+mn-ea"/>
+              </a:rPr>
+              <a:t>날씨</a:t>
+            </a:r>
+            <a:r>
+              <a:rPr lang="en-US" altLang="ko-KR" b="1" spc="-50" dirty="0">
+                <a:solidFill>
+                  <a:srgbClr val="43435B"/>
+                </a:solidFill>
+                <a:latin typeface="+mn-ea"/>
+              </a:rPr>
+              <a:t>(</a:t>
+            </a:r>
+            <a:r>
+              <a:rPr lang="ko-KR" altLang="en-US" b="1" spc="-50" dirty="0">
+                <a:solidFill>
+                  <a:srgbClr val="43435B"/>
+                </a:solidFill>
+                <a:latin typeface="+mn-ea"/>
+              </a:rPr>
+              <a:t>기온</a:t>
+            </a:r>
+            <a:r>
+              <a:rPr lang="en-US" altLang="ko-KR" b="1" spc="-50" dirty="0">
+                <a:solidFill>
+                  <a:srgbClr val="43435B"/>
+                </a:solidFill>
+                <a:latin typeface="+mn-ea"/>
+              </a:rPr>
+              <a:t>)</a:t>
+            </a:r>
+            <a:r>
+              <a:rPr lang="ko-KR" altLang="en-US" b="1" spc="-50" dirty="0">
+                <a:solidFill>
+                  <a:srgbClr val="43435B"/>
+                </a:solidFill>
+                <a:latin typeface="+mn-ea"/>
+              </a:rPr>
+              <a:t>정보</a:t>
+            </a:r>
+            <a:endParaRPr lang="en-US" altLang="ko-KR" b="1" spc="-50" dirty="0">
               <a:solidFill>
                 <a:srgbClr val="43435B"/>
               </a:solidFill>
@@ -11367,7 +10888,61 @@
             <a:pPr marL="342900" indent="-342900">
               <a:buAutoNum type="arabicPeriod"/>
             </a:pPr>
-            <a:endParaRPr lang="en-US" altLang="ko-KR" b="1" spc="-50" dirty="0" smtClean="0">
+            <a:r>
+              <a:rPr lang="ko-KR" altLang="en-US" b="1" spc="-50" dirty="0">
+                <a:solidFill>
+                  <a:srgbClr val="43435B"/>
+                </a:solidFill>
+                <a:latin typeface="+mn-ea"/>
+              </a:rPr>
+              <a:t>날짜 데이터</a:t>
+            </a:r>
+            <a:endParaRPr lang="en-US" altLang="ko-KR" b="1" spc="-50" dirty="0">
+              <a:solidFill>
+                <a:srgbClr val="43435B"/>
+              </a:solidFill>
+              <a:latin typeface="+mn-ea"/>
+            </a:endParaRPr>
+          </a:p>
+          <a:p>
+            <a:r>
+              <a:rPr lang="en-US" altLang="ko-KR" b="1" spc="-50" dirty="0">
+                <a:solidFill>
+                  <a:srgbClr val="43435B"/>
+                </a:solidFill>
+                <a:latin typeface="+mn-ea"/>
+              </a:rPr>
+              <a:t>3.  </a:t>
+            </a:r>
+            <a:r>
+              <a:rPr lang="ko-KR" altLang="en-US" b="1" spc="-50" dirty="0">
+                <a:solidFill>
+                  <a:srgbClr val="43435B"/>
+                </a:solidFill>
+                <a:latin typeface="+mn-ea"/>
+              </a:rPr>
+              <a:t>등</a:t>
+            </a:r>
+            <a:endParaRPr lang="en-US" altLang="ko-KR" b="1" spc="-50" dirty="0">
+              <a:solidFill>
+                <a:srgbClr val="43435B"/>
+              </a:solidFill>
+              <a:latin typeface="+mn-ea"/>
+            </a:endParaRPr>
+          </a:p>
+          <a:p>
+            <a:endParaRPr lang="en-US" altLang="ko-KR" b="1" spc="-50" dirty="0">
+              <a:solidFill>
+                <a:srgbClr val="43435B"/>
+              </a:solidFill>
+              <a:latin typeface="+mn-ea"/>
+            </a:endParaRPr>
+          </a:p>
+          <a:p>
+            <a:pPr marL="342900" indent="-342900">
+              <a:buAutoNum type="arabicPeriod"/>
+            </a:pPr>
+            <a:endParaRPr lang="en-US" altLang="ko-KR" b="1" spc="-50" dirty="0">
               <a:solidFill>
                 <a:srgbClr val="43435B"/>
               </a:solidFill>
@@ -11398,13 +10973,6 @@
       </p:transition>
     </mc:Fallback>
   </mc:AlternateContent>
-  <p:timing>
-    <p:tnLst>
-      <p:par>
-        <p:cTn id="1" dur="indefinite" restart="never" nodeType="tmRoot"/>
-      </p:par>
-    </p:tnLst>
-  </p:timing>
 </p:sld>
 </file>
 
@@ -11663,7 +11231,7 @@
   <a:extraClrSchemeLst/>
   <a:extLst>
     <a:ext uri="{05A4C25C-085E-4340-85A3-A5531E510DB2}">
-      <thm15:themeFamily xmlns:thm15="http://schemas.microsoft.com/office/thememl/2012/main" xmlns="" name="Office Theme" id="{62F939B6-93AF-4DB8-9C6B-D6C7DFDC589F}" vid="{4A3C46E8-61CC-4603-A589-7422A47A8E4A}"/>
+      <thm15:themeFamily xmlns:thm15="http://schemas.microsoft.com/office/thememl/2012/main" name="Office Theme" id="{62F939B6-93AF-4DB8-9C6B-D6C7DFDC589F}" vid="{4A3C46E8-61CC-4603-A589-7422A47A8E4A}"/>
     </a:ext>
   </a:extLst>
 </a:theme>

--- a/발표/1조 마지막발표.pptx
+++ b/발표/1조 마지막발표.pptx
@@ -5086,6 +5086,53 @@
           </a:p>
         </p:txBody>
       </p:sp>
+      <p:pic>
+        <p:nvPicPr>
+          <p:cNvPr id="1026" name="Picture 2" descr="https://bigweb.azurewebsites.net/images/python/20180227_111236.png">
+            <a:extLst>
+              <a:ext uri="{FF2B5EF4-FFF2-40B4-BE49-F238E27FC236}">
+                <a16:creationId xmlns:a16="http://schemas.microsoft.com/office/drawing/2014/main" id="{0F00CA5A-C181-472E-8114-49E799C5CC50}"/>
+              </a:ext>
+            </a:extLst>
+          </p:cNvPr>
+          <p:cNvPicPr>
+            <a:picLocks noChangeAspect="1" noChangeArrowheads="1"/>
+          </p:cNvPicPr>
+          <p:nvPr/>
+        </p:nvPicPr>
+        <p:blipFill>
+          <a:blip r:embed="rId2">
+            <a:extLst>
+              <a:ext uri="{28A0092B-C50C-407E-A947-70E740481C1C}">
+                <a14:useLocalDpi xmlns:a14="http://schemas.microsoft.com/office/drawing/2010/main" val="0"/>
+              </a:ext>
+            </a:extLst>
+          </a:blip>
+          <a:srcRect/>
+          <a:stretch>
+            <a:fillRect/>
+          </a:stretch>
+        </p:blipFill>
+        <p:spPr bwMode="auto">
+          <a:xfrm>
+            <a:off x="899592" y="1957403"/>
+            <a:ext cx="1836204" cy="4597808"/>
+          </a:xfrm>
+          <a:prstGeom prst="rect">
+            <a:avLst/>
+          </a:prstGeom>
+          <a:noFill/>
+          <a:extLst>
+            <a:ext uri="{909E8E84-426E-40DD-AFC4-6F175D3DCCD1}">
+              <a14:hiddenFill xmlns:a14="http://schemas.microsoft.com/office/drawing/2010/main">
+                <a:solidFill>
+                  <a:srgbClr val="FFFFFF"/>
+                </a:solidFill>
+              </a14:hiddenFill>
+            </a:ext>
+          </a:extLst>
+        </p:spPr>
+      </p:pic>
     </p:spTree>
     <p:extLst>
       <p:ext uri="{BB962C8B-B14F-4D97-AF65-F5344CB8AC3E}">
@@ -5478,6 +5525,73 @@
           </a:p>
         </p:txBody>
       </p:sp>
+      <p:pic>
+        <p:nvPicPr>
+          <p:cNvPr id="5" name="그림 4">
+            <a:extLst>
+              <a:ext uri="{FF2B5EF4-FFF2-40B4-BE49-F238E27FC236}">
+                <a16:creationId xmlns:a16="http://schemas.microsoft.com/office/drawing/2014/main" id="{48B70D82-89E8-43D0-9CF4-887735165E70}"/>
+              </a:ext>
+            </a:extLst>
+          </p:cNvPr>
+          <p:cNvPicPr>
+            <a:picLocks noChangeAspect="1"/>
+          </p:cNvPicPr>
+          <p:nvPr/>
+        </p:nvPicPr>
+        <p:blipFill>
+          <a:blip r:embed="rId2"/>
+          <a:stretch>
+            <a:fillRect/>
+          </a:stretch>
+        </p:blipFill>
+        <p:spPr>
+          <a:xfrm>
+            <a:off x="647700" y="856614"/>
+            <a:ext cx="3313931" cy="5877272"/>
+          </a:xfrm>
+          <a:prstGeom prst="rect">
+            <a:avLst/>
+          </a:prstGeom>
+        </p:spPr>
+      </p:pic>
+      <p:sp>
+        <p:nvSpPr>
+          <p:cNvPr id="7" name="직사각형 6">
+            <a:extLst>
+              <a:ext uri="{FF2B5EF4-FFF2-40B4-BE49-F238E27FC236}">
+                <a16:creationId xmlns:a16="http://schemas.microsoft.com/office/drawing/2014/main" id="{CEEAD2DE-E4BD-4AC8-8A55-BA6A4A79DA42}"/>
+              </a:ext>
+            </a:extLst>
+          </p:cNvPr>
+          <p:cNvSpPr/>
+          <p:nvPr/>
+        </p:nvSpPr>
+        <p:spPr>
+          <a:xfrm>
+            <a:off x="4499755" y="3260964"/>
+            <a:ext cx="3692421" cy="369332"/>
+          </a:xfrm>
+          <a:prstGeom prst="rect">
+            <a:avLst/>
+          </a:prstGeom>
+        </p:spPr>
+        <p:txBody>
+          <a:bodyPr wrap="none">
+            <a:spAutoFit/>
+          </a:bodyPr>
+          <a:lstStyle/>
+          <a:p>
+            <a:r>
+              <a:rPr lang="ko-KR" altLang="en-US" dirty="0">
+                <a:hlinkClick r:id="rId3"/>
+              </a:rPr>
+              <a:t>https://bigweb.azurewebsites.net/</a:t>
+            </a:r>
+            <a:endParaRPr lang="ko-KR" altLang="en-US" dirty="0"/>
+          </a:p>
+        </p:txBody>
+      </p:sp>
     </p:spTree>
     <p:extLst>
       <p:ext uri="{BB962C8B-B14F-4D97-AF65-F5344CB8AC3E}">
@@ -5597,6 +5711,66 @@
           </a:p>
         </p:txBody>
       </p:sp>
+      <p:pic>
+        <p:nvPicPr>
+          <p:cNvPr id="3" name="그림 2">
+            <a:extLst>
+              <a:ext uri="{FF2B5EF4-FFF2-40B4-BE49-F238E27FC236}">
+                <a16:creationId xmlns:a16="http://schemas.microsoft.com/office/drawing/2014/main" id="{575A3641-564E-45CF-B3F2-D9B4FF733047}"/>
+              </a:ext>
+            </a:extLst>
+          </p:cNvPr>
+          <p:cNvPicPr>
+            <a:picLocks noChangeAspect="1"/>
+          </p:cNvPicPr>
+          <p:nvPr/>
+        </p:nvPicPr>
+        <p:blipFill>
+          <a:blip r:embed="rId2"/>
+          <a:stretch>
+            <a:fillRect/>
+          </a:stretch>
+        </p:blipFill>
+        <p:spPr>
+          <a:xfrm>
+            <a:off x="1336582" y="764704"/>
+            <a:ext cx="6156684" cy="3025570"/>
+          </a:xfrm>
+          <a:prstGeom prst="rect">
+            <a:avLst/>
+          </a:prstGeom>
+        </p:spPr>
+      </p:pic>
+      <p:pic>
+        <p:nvPicPr>
+          <p:cNvPr id="4" name="그림 3">
+            <a:extLst>
+              <a:ext uri="{FF2B5EF4-FFF2-40B4-BE49-F238E27FC236}">
+                <a16:creationId xmlns:a16="http://schemas.microsoft.com/office/drawing/2014/main" id="{BA675967-C46C-4F72-8A6A-76C258BEA2F9}"/>
+              </a:ext>
+            </a:extLst>
+          </p:cNvPr>
+          <p:cNvPicPr>
+            <a:picLocks noChangeAspect="1"/>
+          </p:cNvPicPr>
+          <p:nvPr/>
+        </p:nvPicPr>
+        <p:blipFill>
+          <a:blip r:embed="rId3"/>
+          <a:stretch>
+            <a:fillRect/>
+          </a:stretch>
+        </p:blipFill>
+        <p:spPr>
+          <a:xfrm>
+            <a:off x="1336582" y="3801000"/>
+            <a:ext cx="6187746" cy="3025570"/>
+          </a:xfrm>
+          <a:prstGeom prst="rect">
+            <a:avLst/>
+          </a:prstGeom>
+        </p:spPr>
+      </p:pic>
     </p:spTree>
     <p:extLst>
       <p:ext uri="{BB962C8B-B14F-4D97-AF65-F5344CB8AC3E}">
